--- a/lecture-04.pptx
+++ b/lecture-04.pptx
@@ -224,7 +224,7 @@
           <a:p>
             <a:fld id="{BD589D72-A080-4A79-B96C-EAF4279EA27C}" type="datetimeFigureOut">
               <a:rPr lang="ru-RU" smtClean="0"/>
-              <a:t>18.09.2019</a:t>
+              <a:t>25.09.2019</a:t>
             </a:fld>
             <a:endParaRPr lang="ru-RU"/>
           </a:p>
@@ -673,7 +673,7 @@
           <a:p>
             <a:fld id="{B4C71EC6-210F-42DE-9C53-41977AD35B3D}" type="datetimeFigureOut">
               <a:rPr lang="ru-RU" smtClean="0"/>
-              <a:t>18.09.2019</a:t>
+              <a:t>25.09.2019</a:t>
             </a:fld>
             <a:endParaRPr lang="ru-RU"/>
           </a:p>
@@ -838,7 +838,7 @@
           <a:p>
             <a:fld id="{B4C71EC6-210F-42DE-9C53-41977AD35B3D}" type="datetimeFigureOut">
               <a:rPr lang="ru-RU" smtClean="0"/>
-              <a:t>18.09.2019</a:t>
+              <a:t>25.09.2019</a:t>
             </a:fld>
             <a:endParaRPr lang="ru-RU"/>
           </a:p>
@@ -1013,7 +1013,7 @@
           <a:p>
             <a:fld id="{B4C71EC6-210F-42DE-9C53-41977AD35B3D}" type="datetimeFigureOut">
               <a:rPr lang="ru-RU" smtClean="0"/>
-              <a:t>18.09.2019</a:t>
+              <a:t>25.09.2019</a:t>
             </a:fld>
             <a:endParaRPr lang="ru-RU"/>
           </a:p>
@@ -1178,7 +1178,7 @@
           <a:p>
             <a:fld id="{B4C71EC6-210F-42DE-9C53-41977AD35B3D}" type="datetimeFigureOut">
               <a:rPr lang="ru-RU" smtClean="0"/>
-              <a:t>18.09.2019</a:t>
+              <a:t>25.09.2019</a:t>
             </a:fld>
             <a:endParaRPr lang="ru-RU"/>
           </a:p>
@@ -1419,7 +1419,7 @@
           <a:p>
             <a:fld id="{B4C71EC6-210F-42DE-9C53-41977AD35B3D}" type="datetimeFigureOut">
               <a:rPr lang="ru-RU" smtClean="0"/>
-              <a:t>18.09.2019</a:t>
+              <a:t>25.09.2019</a:t>
             </a:fld>
             <a:endParaRPr lang="ru-RU"/>
           </a:p>
@@ -1702,7 +1702,7 @@
           <a:p>
             <a:fld id="{B4C71EC6-210F-42DE-9C53-41977AD35B3D}" type="datetimeFigureOut">
               <a:rPr lang="ru-RU" smtClean="0"/>
-              <a:t>18.09.2019</a:t>
+              <a:t>25.09.2019</a:t>
             </a:fld>
             <a:endParaRPr lang="ru-RU"/>
           </a:p>
@@ -2119,7 +2119,7 @@
           <a:p>
             <a:fld id="{B4C71EC6-210F-42DE-9C53-41977AD35B3D}" type="datetimeFigureOut">
               <a:rPr lang="ru-RU" smtClean="0"/>
-              <a:t>18.09.2019</a:t>
+              <a:t>25.09.2019</a:t>
             </a:fld>
             <a:endParaRPr lang="ru-RU"/>
           </a:p>
@@ -2232,7 +2232,7 @@
           <a:p>
             <a:fld id="{B4C71EC6-210F-42DE-9C53-41977AD35B3D}" type="datetimeFigureOut">
               <a:rPr lang="ru-RU" smtClean="0"/>
-              <a:t>18.09.2019</a:t>
+              <a:t>25.09.2019</a:t>
             </a:fld>
             <a:endParaRPr lang="ru-RU"/>
           </a:p>
@@ -2322,7 +2322,7 @@
           <a:p>
             <a:fld id="{B4C71EC6-210F-42DE-9C53-41977AD35B3D}" type="datetimeFigureOut">
               <a:rPr lang="ru-RU" smtClean="0"/>
-              <a:t>18.09.2019</a:t>
+              <a:t>25.09.2019</a:t>
             </a:fld>
             <a:endParaRPr lang="ru-RU"/>
           </a:p>
@@ -2594,7 +2594,7 @@
           <a:p>
             <a:fld id="{B4C71EC6-210F-42DE-9C53-41977AD35B3D}" type="datetimeFigureOut">
               <a:rPr lang="ru-RU" smtClean="0"/>
-              <a:t>18.09.2019</a:t>
+              <a:t>25.09.2019</a:t>
             </a:fld>
             <a:endParaRPr lang="ru-RU"/>
           </a:p>
@@ -2842,7 +2842,7 @@
           <a:p>
             <a:fld id="{B4C71EC6-210F-42DE-9C53-41977AD35B3D}" type="datetimeFigureOut">
               <a:rPr lang="ru-RU" smtClean="0"/>
-              <a:t>18.09.2019</a:t>
+              <a:t>25.09.2019</a:t>
             </a:fld>
             <a:endParaRPr lang="ru-RU"/>
           </a:p>
@@ -3059,7 +3059,7 @@
           <a:p>
             <a:fld id="{B4C71EC6-210F-42DE-9C53-41977AD35B3D}" type="datetimeFigureOut">
               <a:rPr lang="ru-RU" smtClean="0"/>
-              <a:t>18.09.2019</a:t>
+              <a:t>25.09.2019</a:t>
             </a:fld>
             <a:endParaRPr lang="ru-RU"/>
           </a:p>
@@ -5587,6 +5587,13 @@
     <a:masterClrMapping/>
   </p:clrMapOvr>
   <p:transition spd="med"/>
+  <p:timing>
+    <p:tnLst>
+      <p:par>
+        <p:cTn id="1" dur="indefinite" restart="never" nodeType="tmRoot"/>
+      </p:par>
+    </p:tnLst>
+  </p:timing>
 </p:sld>
 </file>
 
@@ -5692,6 +5699,13 @@
     <a:masterClrMapping/>
   </p:clrMapOvr>
   <p:transition spd="med"/>
+  <p:timing>
+    <p:tnLst>
+      <p:par>
+        <p:cTn id="1" dur="indefinite" restart="never" nodeType="tmRoot"/>
+      </p:par>
+    </p:tnLst>
+  </p:timing>
 </p:sld>
 </file>
 
@@ -5810,6 +5824,13 @@
     <a:masterClrMapping/>
   </p:clrMapOvr>
   <p:transition spd="med"/>
+  <p:timing>
+    <p:tnLst>
+      <p:par>
+        <p:cTn id="1" dur="indefinite" restart="never" nodeType="tmRoot"/>
+      </p:par>
+    </p:tnLst>
+  </p:timing>
 </p:sld>
 </file>
 
@@ -6696,6 +6717,13 @@
     <a:masterClrMapping/>
   </p:clrMapOvr>
   <p:transition spd="med"/>
+  <p:timing>
+    <p:tnLst>
+      <p:par>
+        <p:cTn id="1" dur="indefinite" restart="never" nodeType="tmRoot"/>
+      </p:par>
+    </p:tnLst>
+  </p:timing>
 </p:sld>
 </file>
 
@@ -6805,6 +6833,13 @@
     <a:masterClrMapping/>
   </p:clrMapOvr>
   <p:transition spd="med"/>
+  <p:timing>
+    <p:tnLst>
+      <p:par>
+        <p:cTn id="1" dur="indefinite" restart="never" nodeType="tmRoot"/>
+      </p:par>
+    </p:tnLst>
+  </p:timing>
 </p:sld>
 </file>
 
@@ -7780,6 +7815,13 @@
     <a:masterClrMapping/>
   </p:clrMapOvr>
   <p:transition spd="med"/>
+  <p:timing>
+    <p:tnLst>
+      <p:par>
+        <p:cTn id="1" dur="indefinite" restart="never" nodeType="tmRoot"/>
+      </p:par>
+    </p:tnLst>
+  </p:timing>
 </p:sld>
 </file>
 
@@ -8065,6 +8107,13 @@
     <a:masterClrMapping/>
   </p:clrMapOvr>
   <p:transition spd="med"/>
+  <p:timing>
+    <p:tnLst>
+      <p:par>
+        <p:cTn id="1" dur="indefinite" restart="never" nodeType="tmRoot"/>
+      </p:par>
+    </p:tnLst>
+  </p:timing>
 </p:sld>
 </file>
 
@@ -8507,6 +8556,13 @@
     <a:masterClrMapping/>
   </p:clrMapOvr>
   <p:transition spd="med"/>
+  <p:timing>
+    <p:tnLst>
+      <p:par>
+        <p:cTn id="1" dur="indefinite" restart="never" nodeType="tmRoot"/>
+      </p:par>
+    </p:tnLst>
+  </p:timing>
 </p:sld>
 </file>
 
@@ -8917,6 +8973,13 @@
     <a:masterClrMapping/>
   </p:clrMapOvr>
   <p:transition spd="med"/>
+  <p:timing>
+    <p:tnLst>
+      <p:par>
+        <p:cTn id="1" dur="indefinite" restart="never" nodeType="tmRoot"/>
+      </p:par>
+    </p:tnLst>
+  </p:timing>
 </p:sld>
 </file>
 
@@ -9196,6 +9259,13 @@
     <a:masterClrMapping/>
   </p:clrMapOvr>
   <p:transition spd="med"/>
+  <p:timing>
+    <p:tnLst>
+      <p:par>
+        <p:cTn id="1" dur="indefinite" restart="never" nodeType="tmRoot"/>
+      </p:par>
+    </p:tnLst>
+  </p:timing>
 </p:sld>
 </file>
 
@@ -9754,6 +9824,13 @@
     <a:masterClrMapping/>
   </p:clrMapOvr>
   <p:transition spd="med"/>
+  <p:timing>
+    <p:tnLst>
+      <p:par>
+        <p:cTn id="1" dur="indefinite" restart="never" nodeType="tmRoot"/>
+      </p:par>
+    </p:tnLst>
+  </p:timing>
 </p:sld>
 </file>
 
@@ -11985,6 +12062,13 @@
     <a:masterClrMapping/>
   </p:clrMapOvr>
   <p:transition spd="med"/>
+  <p:timing>
+    <p:tnLst>
+      <p:par>
+        <p:cTn id="1" dur="indefinite" restart="never" nodeType="tmRoot"/>
+      </p:par>
+    </p:tnLst>
+  </p:timing>
 </p:sld>
 </file>
 
@@ -12827,6 +12911,13 @@
     <a:masterClrMapping/>
   </p:clrMapOvr>
   <p:transition spd="med"/>
+  <p:timing>
+    <p:tnLst>
+      <p:par>
+        <p:cTn id="1" dur="indefinite" restart="never" nodeType="tmRoot"/>
+      </p:par>
+    </p:tnLst>
+  </p:timing>
 </p:sld>
 </file>
 
@@ -13029,8 +13120,41 @@
                 <a:cs typeface="Century Schoolbook" pitchFamily="18" charset="0"/>
                 <a:sym typeface="Century Schoolbook" pitchFamily="18" charset="0"/>
               </a:rPr>
-              <a:t> T[j] = NIL </a:t>
-            </a:r>
+              <a:t> T[j] = </a:t>
+            </a:r>
+            <a:r>
+              <a:rPr lang="ru-RU" altLang="ru-RU" sz="2400" dirty="0" smtClean="0">
+                <a:latin typeface="Century Schoolbook" pitchFamily="18" charset="0"/>
+                <a:ea typeface="Century Schoolbook" pitchFamily="18" charset="0"/>
+                <a:cs typeface="Century Schoolbook" pitchFamily="18" charset="0"/>
+                <a:sym typeface="Century Schoolbook" pitchFamily="18" charset="0"/>
+              </a:rPr>
+              <a:t>N</a:t>
+            </a:r>
+            <a:r>
+              <a:rPr lang="en-US" altLang="ru-RU" sz="2400" smtClean="0">
+                <a:latin typeface="Century Schoolbook" pitchFamily="18" charset="0"/>
+                <a:ea typeface="Century Schoolbook" pitchFamily="18" charset="0"/>
+                <a:cs typeface="Century Schoolbook" pitchFamily="18" charset="0"/>
+                <a:sym typeface="Century Schoolbook" pitchFamily="18" charset="0"/>
+              </a:rPr>
+              <a:t>UL</a:t>
+            </a:r>
+            <a:r>
+              <a:rPr lang="ru-RU" altLang="ru-RU" sz="2400" smtClean="0">
+                <a:latin typeface="Century Schoolbook" pitchFamily="18" charset="0"/>
+                <a:ea typeface="Century Schoolbook" pitchFamily="18" charset="0"/>
+                <a:cs typeface="Century Schoolbook" pitchFamily="18" charset="0"/>
+                <a:sym typeface="Century Schoolbook" pitchFamily="18" charset="0"/>
+              </a:rPr>
+              <a:t>L </a:t>
+            </a:r>
+            <a:endParaRPr lang="ru-RU" altLang="ru-RU" sz="2400" dirty="0">
+              <a:latin typeface="Century Schoolbook" pitchFamily="18" charset="0"/>
+              <a:ea typeface="Century Schoolbook" pitchFamily="18" charset="0"/>
+              <a:cs typeface="Century Schoolbook" pitchFamily="18" charset="0"/>
+              <a:sym typeface="Century Schoolbook" pitchFamily="18" charset="0"/>
+            </a:endParaRPr>
           </a:p>
           <a:p>
             <a:pPr marL="0" indent="0" defTabSz="914400">
@@ -13277,6 +13401,13 @@
     <a:masterClrMapping/>
   </p:clrMapOvr>
   <p:transition spd="med"/>
+  <p:timing>
+    <p:tnLst>
+      <p:par>
+        <p:cTn id="1" dur="indefinite" restart="never" nodeType="tmRoot"/>
+      </p:par>
+    </p:tnLst>
+  </p:timing>
 </p:sld>
 </file>
 
@@ -13613,6 +13744,13 @@
     <a:masterClrMapping/>
   </p:clrMapOvr>
   <p:transition spd="med"/>
+  <p:timing>
+    <p:tnLst>
+      <p:par>
+        <p:cTn id="1" dur="indefinite" restart="never" nodeType="tmRoot"/>
+      </p:par>
+    </p:tnLst>
+  </p:timing>
 </p:sld>
 </file>
 
@@ -14321,6 +14459,13 @@
     <a:masterClrMapping/>
   </p:clrMapOvr>
   <p:transition spd="med"/>
+  <p:timing>
+    <p:tnLst>
+      <p:par>
+        <p:cTn id="1" dur="indefinite" restart="never" nodeType="tmRoot"/>
+      </p:par>
+    </p:tnLst>
+  </p:timing>
 </p:sld>
 </file>
 
@@ -14684,6 +14829,13 @@
     <a:masterClrMapping/>
   </p:clrMapOvr>
   <p:transition spd="med"/>
+  <p:timing>
+    <p:tnLst>
+      <p:par>
+        <p:cTn id="1" dur="indefinite" restart="never" nodeType="tmRoot"/>
+      </p:par>
+    </p:tnLst>
+  </p:timing>
 </p:sld>
 </file>
 
@@ -14780,7 +14932,6 @@
             </a:pPr>
             <a:r>
               <a:rPr lang="ru-RU" altLang="ru-RU" sz="2400" b="1" dirty="0" err="1">
-                <a:latin typeface="Century Schoolbook" pitchFamily="18" charset="0"/>
                 <a:ea typeface="Century Schoolbook" pitchFamily="18" charset="0"/>
                 <a:cs typeface="Century Schoolbook" pitchFamily="18" charset="0"/>
                 <a:sym typeface="Century Schoolbook" pitchFamily="18" charset="0"/>
@@ -14789,7 +14940,6 @@
             </a:r>
             <a:r>
               <a:rPr lang="ru-RU" altLang="ru-RU" sz="2400" dirty="0">
-                <a:latin typeface="Century Schoolbook" pitchFamily="18" charset="0"/>
                 <a:ea typeface="Century Schoolbook" pitchFamily="18" charset="0"/>
                 <a:cs typeface="Century Schoolbook" pitchFamily="18" charset="0"/>
                 <a:sym typeface="Century Schoolbook" pitchFamily="18" charset="0"/>
@@ -14798,7 +14948,6 @@
             </a:r>
             <a:r>
               <a:rPr lang="ru-RU" altLang="ru-RU" sz="2400" dirty="0" err="1">
-                <a:latin typeface="Century Schoolbook" pitchFamily="18" charset="0"/>
                 <a:ea typeface="Century Schoolbook" pitchFamily="18" charset="0"/>
                 <a:cs typeface="Century Schoolbook" pitchFamily="18" charset="0"/>
                 <a:sym typeface="Century Schoolbook" pitchFamily="18" charset="0"/>
@@ -14807,7 +14956,6 @@
             </a:r>
             <a:r>
               <a:rPr lang="ru-RU" altLang="ru-RU" sz="2400" dirty="0">
-                <a:latin typeface="Century Schoolbook" pitchFamily="18" charset="0"/>
                 <a:ea typeface="Century Schoolbook" pitchFamily="18" charset="0"/>
                 <a:cs typeface="Century Schoolbook" pitchFamily="18" charset="0"/>
                 <a:sym typeface="Century Schoolbook" pitchFamily="18" charset="0"/>
@@ -14816,7 +14964,6 @@
             </a:r>
             <a:r>
               <a:rPr lang="ru-RU" altLang="ru-RU" sz="2400" dirty="0" err="1">
-                <a:latin typeface="Century Schoolbook" pitchFamily="18" charset="0"/>
                 <a:ea typeface="Century Schoolbook" pitchFamily="18" charset="0"/>
                 <a:cs typeface="Century Schoolbook" pitchFamily="18" charset="0"/>
                 <a:sym typeface="Century Schoolbook" pitchFamily="18" charset="0"/>
@@ -14825,7 +14972,6 @@
             </a:r>
             <a:r>
               <a:rPr lang="ru-RU" altLang="ru-RU" sz="2400" dirty="0">
-                <a:latin typeface="Century Schoolbook" pitchFamily="18" charset="0"/>
                 <a:ea typeface="Century Schoolbook" pitchFamily="18" charset="0"/>
                 <a:cs typeface="Century Schoolbook" pitchFamily="18" charset="0"/>
                 <a:sym typeface="Century Schoolbook" pitchFamily="18" charset="0"/>
@@ -14834,7 +14980,6 @@
             </a:r>
             <a:r>
               <a:rPr lang="ru-RU" altLang="ru-RU" sz="2400" dirty="0" err="1">
-                <a:latin typeface="Century Schoolbook" pitchFamily="18" charset="0"/>
                 <a:ea typeface="Century Schoolbook" pitchFamily="18" charset="0"/>
                 <a:cs typeface="Century Schoolbook" pitchFamily="18" charset="0"/>
                 <a:sym typeface="Century Schoolbook" pitchFamily="18" charset="0"/>
@@ -14843,16 +14988,14 @@
             </a:r>
             <a:r>
               <a:rPr lang="ru-RU" altLang="ru-RU" sz="2400" dirty="0">
-                <a:latin typeface="Century Schoolbook" pitchFamily="18" charset="0"/>
-                <a:ea typeface="Century Schoolbook" pitchFamily="18" charset="0"/>
-                <a:cs typeface="Century Schoolbook" pitchFamily="18" charset="0"/>
-                <a:sym typeface="Century Schoolbook" pitchFamily="18" charset="0"/>
-              </a:rPr>
-              <a:t> </a:t>
-            </a:r>
-            <a:r>
-              <a:rPr lang="ru-RU" altLang="ru-RU" sz="2400" dirty="0" err="1">
-                <a:latin typeface="Century Schoolbook" pitchFamily="18" charset="0"/>
+                <a:ea typeface="Century Schoolbook" pitchFamily="18" charset="0"/>
+                <a:cs typeface="Century Schoolbook" pitchFamily="18" charset="0"/>
+                <a:sym typeface="Century Schoolbook" pitchFamily="18" charset="0"/>
+              </a:rPr>
+              <a:t> </a:t>
+            </a:r>
+            <a:r>
+              <a:rPr lang="ru-RU" altLang="ru-RU" sz="2400" dirty="0" err="1">
                 <a:ea typeface="Century Schoolbook" pitchFamily="18" charset="0"/>
                 <a:cs typeface="Century Schoolbook" pitchFamily="18" charset="0"/>
                 <a:sym typeface="Century Schoolbook" pitchFamily="18" charset="0"/>
@@ -14861,7 +15004,6 @@
             </a:r>
             <a:r>
               <a:rPr lang="ru-RU" altLang="ru-RU" sz="2400" dirty="0">
-                <a:latin typeface="Century Schoolbook" pitchFamily="18" charset="0"/>
                 <a:ea typeface="Century Schoolbook" pitchFamily="18" charset="0"/>
                 <a:cs typeface="Century Schoolbook" pitchFamily="18" charset="0"/>
                 <a:sym typeface="Century Schoolbook" pitchFamily="18" charset="0"/>
@@ -14873,7 +15015,6 @@
                 <a:solidFill>
                   <a:srgbClr val="D2611C"/>
                 </a:solidFill>
-                <a:latin typeface="Century Schoolbook" pitchFamily="18" charset="0"/>
                 <a:ea typeface="Century Schoolbook" pitchFamily="18" charset="0"/>
                 <a:cs typeface="Century Schoolbook" pitchFamily="18" charset="0"/>
                 <a:sym typeface="Century Schoolbook" pitchFamily="18" charset="0"/>
@@ -14886,7 +15027,6 @@
                 <a:solidFill>
                   <a:srgbClr val="D2611C"/>
                 </a:solidFill>
-                <a:latin typeface="Century Schoolbook" pitchFamily="18" charset="0"/>
                 <a:ea typeface="Century Schoolbook" pitchFamily="18" charset="0"/>
                 <a:cs typeface="Century Schoolbook" pitchFamily="18" charset="0"/>
                 <a:sym typeface="Century Schoolbook" pitchFamily="18" charset="0"/>
@@ -14899,7 +15039,6 @@
                 <a:solidFill>
                   <a:srgbClr val="D2611C"/>
                 </a:solidFill>
-                <a:latin typeface="Century Schoolbook" pitchFamily="18" charset="0"/>
                 <a:ea typeface="Century Schoolbook" pitchFamily="18" charset="0"/>
                 <a:cs typeface="Century Schoolbook" pitchFamily="18" charset="0"/>
                 <a:sym typeface="Century Schoolbook" pitchFamily="18" charset="0"/>
@@ -14909,7 +15048,6 @@
             </a:r>
             <a:r>
               <a:rPr lang="ru-RU" altLang="ru-RU" sz="2400" dirty="0">
-                <a:latin typeface="Century Schoolbook" pitchFamily="18" charset="0"/>
                 <a:ea typeface="Century Schoolbook" pitchFamily="18" charset="0"/>
                 <a:cs typeface="Century Schoolbook" pitchFamily="18" charset="0"/>
                 <a:sym typeface="Century Schoolbook" pitchFamily="18" charset="0"/>
@@ -14918,7 +15056,6 @@
             </a:r>
             <a:r>
               <a:rPr lang="ru-RU" altLang="ru-RU" sz="2400" dirty="0" err="1">
-                <a:latin typeface="Century Schoolbook" pitchFamily="18" charset="0"/>
                 <a:ea typeface="Century Schoolbook" pitchFamily="18" charset="0"/>
                 <a:cs typeface="Century Schoolbook" pitchFamily="18" charset="0"/>
                 <a:sym typeface="Century Schoolbook" pitchFamily="18" charset="0"/>
@@ -14927,7 +15064,6 @@
             </a:r>
             <a:r>
               <a:rPr lang="ru-RU" altLang="ru-RU" sz="2400" dirty="0">
-                <a:latin typeface="Century Schoolbook" pitchFamily="18" charset="0"/>
                 <a:ea typeface="Century Schoolbook" pitchFamily="18" charset="0"/>
                 <a:cs typeface="Century Schoolbook" pitchFamily="18" charset="0"/>
                 <a:sym typeface="Century Schoolbook" pitchFamily="18" charset="0"/>
@@ -14936,7 +15072,6 @@
             </a:r>
             <a:r>
               <a:rPr lang="ru-RU" altLang="ru-RU" sz="2400" dirty="0" err="1">
-                <a:latin typeface="Century Schoolbook" pitchFamily="18" charset="0"/>
                 <a:ea typeface="Century Schoolbook" pitchFamily="18" charset="0"/>
                 <a:cs typeface="Century Schoolbook" pitchFamily="18" charset="0"/>
                 <a:sym typeface="Century Schoolbook" pitchFamily="18" charset="0"/>
@@ -14945,16 +15080,14 @@
             </a:r>
             <a:r>
               <a:rPr lang="ru-RU" altLang="ru-RU" sz="2400" dirty="0">
-                <a:latin typeface="Century Schoolbook" pitchFamily="18" charset="0"/>
-                <a:ea typeface="Century Schoolbook" pitchFamily="18" charset="0"/>
-                <a:cs typeface="Century Schoolbook" pitchFamily="18" charset="0"/>
-                <a:sym typeface="Century Schoolbook" pitchFamily="18" charset="0"/>
-              </a:rPr>
-              <a:t> </a:t>
-            </a:r>
-            <a:r>
-              <a:rPr lang="ru-RU" altLang="ru-RU" sz="2400" dirty="0" err="1">
-                <a:latin typeface="Century Schoolbook" pitchFamily="18" charset="0"/>
+                <a:ea typeface="Century Schoolbook" pitchFamily="18" charset="0"/>
+                <a:cs typeface="Century Schoolbook" pitchFamily="18" charset="0"/>
+                <a:sym typeface="Century Schoolbook" pitchFamily="18" charset="0"/>
+              </a:rPr>
+              <a:t> </a:t>
+            </a:r>
+            <a:r>
+              <a:rPr lang="ru-RU" altLang="ru-RU" sz="2400" dirty="0" err="1">
                 <a:ea typeface="Century Schoolbook" pitchFamily="18" charset="0"/>
                 <a:cs typeface="Century Schoolbook" pitchFamily="18" charset="0"/>
                 <a:sym typeface="Century Schoolbook" pitchFamily="18" charset="0"/>
@@ -14963,7 +15096,6 @@
             </a:r>
             <a:r>
               <a:rPr lang="ru-RU" altLang="ru-RU" sz="2400" dirty="0">
-                <a:latin typeface="Century Schoolbook" pitchFamily="18" charset="0"/>
                 <a:ea typeface="Century Schoolbook" pitchFamily="18" charset="0"/>
                 <a:cs typeface="Century Schoolbook" pitchFamily="18" charset="0"/>
                 <a:sym typeface="Century Schoolbook" pitchFamily="18" charset="0"/>
@@ -14972,7 +15104,6 @@
             </a:r>
             <a:r>
               <a:rPr lang="ru-RU" altLang="ru-RU" sz="2400" dirty="0" err="1">
-                <a:latin typeface="Century Schoolbook" pitchFamily="18" charset="0"/>
                 <a:ea typeface="Century Schoolbook" pitchFamily="18" charset="0"/>
                 <a:cs typeface="Century Schoolbook" pitchFamily="18" charset="0"/>
                 <a:sym typeface="Century Schoolbook" pitchFamily="18" charset="0"/>
@@ -14981,7 +15112,6 @@
             </a:r>
             <a:r>
               <a:rPr lang="ru-RU" altLang="ru-RU" sz="2400" dirty="0">
-                <a:latin typeface="Century Schoolbook" pitchFamily="18" charset="0"/>
                 <a:ea typeface="Century Schoolbook" pitchFamily="18" charset="0"/>
                 <a:cs typeface="Century Schoolbook" pitchFamily="18" charset="0"/>
                 <a:sym typeface="Century Schoolbook" pitchFamily="18" charset="0"/>
@@ -14990,7 +15120,6 @@
             </a:r>
             <a:r>
               <a:rPr lang="ru-RU" altLang="ru-RU" sz="2400" dirty="0" err="1">
-                <a:latin typeface="Century Schoolbook" pitchFamily="18" charset="0"/>
                 <a:ea typeface="Century Schoolbook" pitchFamily="18" charset="0"/>
                 <a:cs typeface="Century Schoolbook" pitchFamily="18" charset="0"/>
                 <a:sym typeface="Century Schoolbook" pitchFamily="18" charset="0"/>
@@ -14999,7 +15128,6 @@
             </a:r>
             <a:r>
               <a:rPr lang="ru-RU" altLang="ru-RU" sz="2400" dirty="0">
-                <a:latin typeface="Century Schoolbook" pitchFamily="18" charset="0"/>
                 <a:ea typeface="Century Schoolbook" pitchFamily="18" charset="0"/>
                 <a:cs typeface="Century Schoolbook" pitchFamily="18" charset="0"/>
                 <a:sym typeface="Century Schoolbook" pitchFamily="18" charset="0"/>
@@ -15008,7 +15136,6 @@
             </a:r>
             <a:r>
               <a:rPr lang="ru-RU" altLang="ru-RU" sz="2400" dirty="0" err="1">
-                <a:latin typeface="Century Schoolbook" pitchFamily="18" charset="0"/>
                 <a:ea typeface="Century Schoolbook" pitchFamily="18" charset="0"/>
                 <a:cs typeface="Century Schoolbook" pitchFamily="18" charset="0"/>
                 <a:sym typeface="Century Schoolbook" pitchFamily="18" charset="0"/>
@@ -15017,7 +15144,6 @@
             </a:r>
             <a:r>
               <a:rPr lang="ru-RU" altLang="ru-RU" sz="2400" dirty="0">
-                <a:latin typeface="Century Schoolbook" pitchFamily="18" charset="0"/>
                 <a:ea typeface="Century Schoolbook" pitchFamily="18" charset="0"/>
                 <a:cs typeface="Century Schoolbook" pitchFamily="18" charset="0"/>
                 <a:sym typeface="Century Schoolbook" pitchFamily="18" charset="0"/>
@@ -15026,7 +15152,6 @@
             </a:r>
             <a:r>
               <a:rPr lang="ru-RU" altLang="ru-RU" sz="2400" dirty="0" err="1">
-                <a:latin typeface="Century Schoolbook" pitchFamily="18" charset="0"/>
                 <a:ea typeface="Century Schoolbook" pitchFamily="18" charset="0"/>
                 <a:cs typeface="Century Schoolbook" pitchFamily="18" charset="0"/>
                 <a:sym typeface="Century Schoolbook" pitchFamily="18" charset="0"/>
@@ -15035,16 +15160,14 @@
             </a:r>
             <a:r>
               <a:rPr lang="ru-RU" altLang="ru-RU" sz="2400" dirty="0">
-                <a:latin typeface="Century Schoolbook" pitchFamily="18" charset="0"/>
-                <a:ea typeface="Century Schoolbook" pitchFamily="18" charset="0"/>
-                <a:cs typeface="Century Schoolbook" pitchFamily="18" charset="0"/>
-                <a:sym typeface="Century Schoolbook" pitchFamily="18" charset="0"/>
-              </a:rPr>
-              <a:t> </a:t>
-            </a:r>
-            <a:r>
-              <a:rPr lang="ru-RU" altLang="ru-RU" sz="2400" dirty="0" err="1">
-                <a:latin typeface="Century Schoolbook" pitchFamily="18" charset="0"/>
+                <a:ea typeface="Century Schoolbook" pitchFamily="18" charset="0"/>
+                <a:cs typeface="Century Schoolbook" pitchFamily="18" charset="0"/>
+                <a:sym typeface="Century Schoolbook" pitchFamily="18" charset="0"/>
+              </a:rPr>
+              <a:t> </a:t>
+            </a:r>
+            <a:r>
+              <a:rPr lang="ru-RU" altLang="ru-RU" sz="2400" dirty="0" err="1">
                 <a:ea typeface="Century Schoolbook" pitchFamily="18" charset="0"/>
                 <a:cs typeface="Century Schoolbook" pitchFamily="18" charset="0"/>
                 <a:sym typeface="Century Schoolbook" pitchFamily="18" charset="0"/>
@@ -15053,16 +15176,14 @@
             </a:r>
             <a:r>
               <a:rPr lang="ru-RU" altLang="ru-RU" sz="2400" dirty="0">
-                <a:latin typeface="Century Schoolbook" pitchFamily="18" charset="0"/>
-                <a:ea typeface="Century Schoolbook" pitchFamily="18" charset="0"/>
-                <a:cs typeface="Century Schoolbook" pitchFamily="18" charset="0"/>
-                <a:sym typeface="Century Schoolbook" pitchFamily="18" charset="0"/>
-              </a:rPr>
-              <a:t> </a:t>
-            </a:r>
-            <a:r>
-              <a:rPr lang="ru-RU" altLang="ru-RU" sz="2400" dirty="0" err="1">
-                <a:latin typeface="Century Schoolbook" pitchFamily="18" charset="0"/>
+                <a:ea typeface="Century Schoolbook" pitchFamily="18" charset="0"/>
+                <a:cs typeface="Century Schoolbook" pitchFamily="18" charset="0"/>
+                <a:sym typeface="Century Schoolbook" pitchFamily="18" charset="0"/>
+              </a:rPr>
+              <a:t> </a:t>
+            </a:r>
+            <a:r>
+              <a:rPr lang="ru-RU" altLang="ru-RU" sz="2400" dirty="0" err="1">
                 <a:ea typeface="Century Schoolbook" pitchFamily="18" charset="0"/>
                 <a:cs typeface="Century Schoolbook" pitchFamily="18" charset="0"/>
                 <a:sym typeface="Century Schoolbook" pitchFamily="18" charset="0"/>
@@ -15071,7 +15192,6 @@
             </a:r>
             <a:r>
               <a:rPr lang="ru-RU" altLang="ru-RU" sz="2400" dirty="0">
-                <a:latin typeface="Century Schoolbook" pitchFamily="18" charset="0"/>
                 <a:ea typeface="Century Schoolbook" pitchFamily="18" charset="0"/>
                 <a:cs typeface="Century Schoolbook" pitchFamily="18" charset="0"/>
                 <a:sym typeface="Century Schoolbook" pitchFamily="18" charset="0"/>
@@ -15080,7 +15200,6 @@
             </a:r>
             <a:r>
               <a:rPr lang="ru-RU" altLang="ru-RU" sz="2400" dirty="0" err="1">
-                <a:latin typeface="Century Schoolbook" pitchFamily="18" charset="0"/>
                 <a:ea typeface="Century Schoolbook" pitchFamily="18" charset="0"/>
                 <a:cs typeface="Century Schoolbook" pitchFamily="18" charset="0"/>
                 <a:sym typeface="Century Schoolbook" pitchFamily="18" charset="0"/>
@@ -15089,16 +15208,14 @@
             </a:r>
             <a:r>
               <a:rPr lang="ru-RU" altLang="ru-RU" sz="2400" dirty="0">
-                <a:latin typeface="Century Schoolbook" pitchFamily="18" charset="0"/>
-                <a:ea typeface="Century Schoolbook" pitchFamily="18" charset="0"/>
-                <a:cs typeface="Century Schoolbook" pitchFamily="18" charset="0"/>
-                <a:sym typeface="Century Schoolbook" pitchFamily="18" charset="0"/>
-              </a:rPr>
-              <a:t> </a:t>
-            </a:r>
-            <a:r>
-              <a:rPr lang="ru-RU" altLang="ru-RU" sz="2400" dirty="0" err="1">
-                <a:latin typeface="Century Schoolbook" pitchFamily="18" charset="0"/>
+                <a:ea typeface="Century Schoolbook" pitchFamily="18" charset="0"/>
+                <a:cs typeface="Century Schoolbook" pitchFamily="18" charset="0"/>
+                <a:sym typeface="Century Schoolbook" pitchFamily="18" charset="0"/>
+              </a:rPr>
+              <a:t> </a:t>
+            </a:r>
+            <a:r>
+              <a:rPr lang="ru-RU" altLang="ru-RU" sz="2400" dirty="0" err="1">
                 <a:ea typeface="Century Schoolbook" pitchFamily="18" charset="0"/>
                 <a:cs typeface="Century Schoolbook" pitchFamily="18" charset="0"/>
                 <a:sym typeface="Century Schoolbook" pitchFamily="18" charset="0"/>
@@ -15107,7 +15224,6 @@
             </a:r>
             <a:r>
               <a:rPr lang="ru-RU" altLang="ru-RU" sz="2400" dirty="0">
-                <a:latin typeface="Century Schoolbook" pitchFamily="18" charset="0"/>
                 <a:ea typeface="Century Schoolbook" pitchFamily="18" charset="0"/>
                 <a:cs typeface="Century Schoolbook" pitchFamily="18" charset="0"/>
                 <a:sym typeface="Century Schoolbook" pitchFamily="18" charset="0"/>
@@ -15116,7 +15232,6 @@
             </a:r>
             <a:r>
               <a:rPr lang="ru-RU" altLang="ru-RU" sz="2400" dirty="0" err="1">
-                <a:latin typeface="Century Schoolbook" pitchFamily="18" charset="0"/>
                 <a:ea typeface="Century Schoolbook" pitchFamily="18" charset="0"/>
                 <a:cs typeface="Century Schoolbook" pitchFamily="18" charset="0"/>
                 <a:sym typeface="Century Schoolbook" pitchFamily="18" charset="0"/>
@@ -15125,16 +15240,14 @@
             </a:r>
             <a:r>
               <a:rPr lang="ru-RU" altLang="ru-RU" sz="2400" dirty="0">
-                <a:latin typeface="Century Schoolbook" pitchFamily="18" charset="0"/>
-                <a:ea typeface="Century Schoolbook" pitchFamily="18" charset="0"/>
-                <a:cs typeface="Century Schoolbook" pitchFamily="18" charset="0"/>
-                <a:sym typeface="Century Schoolbook" pitchFamily="18" charset="0"/>
-              </a:rPr>
-              <a:t> </a:t>
-            </a:r>
-            <a:r>
-              <a:rPr lang="ru-RU" altLang="ru-RU" sz="2400" dirty="0" err="1">
-                <a:latin typeface="Century Schoolbook" pitchFamily="18" charset="0"/>
+                <a:ea typeface="Century Schoolbook" pitchFamily="18" charset="0"/>
+                <a:cs typeface="Century Schoolbook" pitchFamily="18" charset="0"/>
+                <a:sym typeface="Century Schoolbook" pitchFamily="18" charset="0"/>
+              </a:rPr>
+              <a:t> </a:t>
+            </a:r>
+            <a:r>
+              <a:rPr lang="ru-RU" altLang="ru-RU" sz="2400" dirty="0" err="1">
                 <a:ea typeface="Century Schoolbook" pitchFamily="18" charset="0"/>
                 <a:cs typeface="Century Schoolbook" pitchFamily="18" charset="0"/>
                 <a:sym typeface="Century Schoolbook" pitchFamily="18" charset="0"/>
@@ -15143,7 +15256,6 @@
             </a:r>
             <a:r>
               <a:rPr lang="ru-RU" altLang="ru-RU" sz="2400" dirty="0">
-                <a:latin typeface="Century Schoolbook" pitchFamily="18" charset="0"/>
                 <a:ea typeface="Century Schoolbook" pitchFamily="18" charset="0"/>
                 <a:cs typeface="Century Schoolbook" pitchFamily="18" charset="0"/>
                 <a:sym typeface="Century Schoolbook" pitchFamily="18" charset="0"/>
@@ -15152,7 +15264,6 @@
             </a:r>
             <a:r>
               <a:rPr lang="ru-RU" altLang="ru-RU" sz="2400" dirty="0" smtClean="0">
-                <a:latin typeface="Century Schoolbook" pitchFamily="18" charset="0"/>
                 <a:ea typeface="Century Schoolbook" pitchFamily="18" charset="0"/>
                 <a:cs typeface="Century Schoolbook" pitchFamily="18" charset="0"/>
                 <a:sym typeface="Century Schoolbook" pitchFamily="18" charset="0"/>
@@ -15160,7 +15271,6 @@
               <a:t>.</a:t>
             </a:r>
             <a:endParaRPr lang="ru-RU" altLang="ru-RU" sz="2400" dirty="0">
-              <a:latin typeface="Century Schoolbook" pitchFamily="18" charset="0"/>
               <a:ea typeface="Century Schoolbook" pitchFamily="18" charset="0"/>
               <a:cs typeface="Century Schoolbook" pitchFamily="18" charset="0"/>
               <a:sym typeface="Century Schoolbook" pitchFamily="18" charset="0"/>
@@ -15179,7 +15289,6 @@
             </a:pPr>
             <a:r>
               <a:rPr lang="ru-RU" altLang="ru-RU" sz="2400" dirty="0" err="1">
-                <a:latin typeface="Century Schoolbook" pitchFamily="18" charset="0"/>
                 <a:ea typeface="Century Schoolbook" pitchFamily="18" charset="0"/>
                 <a:cs typeface="Century Schoolbook" pitchFamily="18" charset="0"/>
                 <a:sym typeface="Century Schoolbook" pitchFamily="18" charset="0"/>
@@ -15188,7 +15297,6 @@
             </a:r>
             <a:r>
               <a:rPr lang="ru-RU" altLang="ru-RU" sz="2400" dirty="0">
-                <a:latin typeface="Century Schoolbook" pitchFamily="18" charset="0"/>
                 <a:ea typeface="Century Schoolbook" pitchFamily="18" charset="0"/>
                 <a:cs typeface="Century Schoolbook" pitchFamily="18" charset="0"/>
                 <a:sym typeface="Century Schoolbook" pitchFamily="18" charset="0"/>
@@ -15197,7 +15305,6 @@
             </a:r>
             <a:r>
               <a:rPr lang="ru-RU" altLang="ru-RU" sz="2400" dirty="0" err="1">
-                <a:latin typeface="Century Schoolbook" pitchFamily="18" charset="0"/>
                 <a:ea typeface="Century Schoolbook" pitchFamily="18" charset="0"/>
                 <a:cs typeface="Century Schoolbook" pitchFamily="18" charset="0"/>
                 <a:sym typeface="Century Schoolbook" pitchFamily="18" charset="0"/>
@@ -15206,16 +15313,14 @@
             </a:r>
             <a:r>
               <a:rPr lang="ru-RU" altLang="ru-RU" sz="2400" dirty="0">
-                <a:latin typeface="Century Schoolbook" pitchFamily="18" charset="0"/>
-                <a:ea typeface="Century Schoolbook" pitchFamily="18" charset="0"/>
-                <a:cs typeface="Century Schoolbook" pitchFamily="18" charset="0"/>
-                <a:sym typeface="Century Schoolbook" pitchFamily="18" charset="0"/>
-              </a:rPr>
-              <a:t> </a:t>
-            </a:r>
-            <a:r>
-              <a:rPr lang="ru-RU" altLang="ru-RU" sz="2400" dirty="0" err="1">
-                <a:latin typeface="Century Schoolbook" pitchFamily="18" charset="0"/>
+                <a:ea typeface="Century Schoolbook" pitchFamily="18" charset="0"/>
+                <a:cs typeface="Century Schoolbook" pitchFamily="18" charset="0"/>
+                <a:sym typeface="Century Schoolbook" pitchFamily="18" charset="0"/>
+              </a:rPr>
+              <a:t> </a:t>
+            </a:r>
+            <a:r>
+              <a:rPr lang="ru-RU" altLang="ru-RU" sz="2400" dirty="0" err="1">
                 <a:ea typeface="Century Schoolbook" pitchFamily="18" charset="0"/>
                 <a:cs typeface="Century Schoolbook" pitchFamily="18" charset="0"/>
                 <a:sym typeface="Century Schoolbook" pitchFamily="18" charset="0"/>
@@ -15224,16 +15329,14 @@
             </a:r>
             <a:r>
               <a:rPr lang="ru-RU" altLang="ru-RU" sz="2400" dirty="0">
-                <a:latin typeface="Century Schoolbook" pitchFamily="18" charset="0"/>
-                <a:ea typeface="Century Schoolbook" pitchFamily="18" charset="0"/>
-                <a:cs typeface="Century Schoolbook" pitchFamily="18" charset="0"/>
-                <a:sym typeface="Century Schoolbook" pitchFamily="18" charset="0"/>
-              </a:rPr>
-              <a:t> </a:t>
-            </a:r>
-            <a:r>
-              <a:rPr lang="ru-RU" altLang="ru-RU" sz="2400" dirty="0" err="1">
-                <a:latin typeface="Century Schoolbook" pitchFamily="18" charset="0"/>
+                <a:ea typeface="Century Schoolbook" pitchFamily="18" charset="0"/>
+                <a:cs typeface="Century Schoolbook" pitchFamily="18" charset="0"/>
+                <a:sym typeface="Century Schoolbook" pitchFamily="18" charset="0"/>
+              </a:rPr>
+              <a:t> </a:t>
+            </a:r>
+            <a:r>
+              <a:rPr lang="ru-RU" altLang="ru-RU" sz="2400" dirty="0" err="1">
                 <a:ea typeface="Century Schoolbook" pitchFamily="18" charset="0"/>
                 <a:cs typeface="Century Schoolbook" pitchFamily="18" charset="0"/>
                 <a:sym typeface="Century Schoolbook" pitchFamily="18" charset="0"/>
@@ -15242,7 +15345,6 @@
             </a:r>
             <a:r>
               <a:rPr lang="ru-RU" altLang="ru-RU" sz="2400" dirty="0">
-                <a:latin typeface="Century Schoolbook" pitchFamily="18" charset="0"/>
                 <a:ea typeface="Century Schoolbook" pitchFamily="18" charset="0"/>
                 <a:cs typeface="Century Schoolbook" pitchFamily="18" charset="0"/>
                 <a:sym typeface="Century Schoolbook" pitchFamily="18" charset="0"/>
@@ -15251,7 +15353,6 @@
             </a:r>
             <a:r>
               <a:rPr lang="ru-RU" altLang="ru-RU" sz="2400" dirty="0" err="1">
-                <a:latin typeface="Century Schoolbook" pitchFamily="18" charset="0"/>
                 <a:ea typeface="Century Schoolbook" pitchFamily="18" charset="0"/>
                 <a:cs typeface="Century Schoolbook" pitchFamily="18" charset="0"/>
                 <a:sym typeface="Century Schoolbook" pitchFamily="18" charset="0"/>
@@ -15260,7 +15361,6 @@
             </a:r>
             <a:r>
               <a:rPr lang="ru-RU" altLang="ru-RU" sz="2400" dirty="0">
-                <a:latin typeface="Century Schoolbook" pitchFamily="18" charset="0"/>
                 <a:ea typeface="Century Schoolbook" pitchFamily="18" charset="0"/>
                 <a:cs typeface="Century Schoolbook" pitchFamily="18" charset="0"/>
                 <a:sym typeface="Century Schoolbook" pitchFamily="18" charset="0"/>
@@ -15269,7 +15369,6 @@
             </a:r>
             <a:r>
               <a:rPr lang="ru-RU" altLang="ru-RU" sz="2400" dirty="0" err="1">
-                <a:latin typeface="Century Schoolbook" pitchFamily="18" charset="0"/>
                 <a:ea typeface="Century Schoolbook" pitchFamily="18" charset="0"/>
                 <a:cs typeface="Century Schoolbook" pitchFamily="18" charset="0"/>
                 <a:sym typeface="Century Schoolbook" pitchFamily="18" charset="0"/>
@@ -15278,16 +15377,14 @@
             </a:r>
             <a:r>
               <a:rPr lang="ru-RU" altLang="ru-RU" sz="2400" dirty="0">
-                <a:latin typeface="Century Schoolbook" pitchFamily="18" charset="0"/>
-                <a:ea typeface="Century Schoolbook" pitchFamily="18" charset="0"/>
-                <a:cs typeface="Century Schoolbook" pitchFamily="18" charset="0"/>
-                <a:sym typeface="Century Schoolbook" pitchFamily="18" charset="0"/>
-              </a:rPr>
-              <a:t> </a:t>
-            </a:r>
-            <a:r>
-              <a:rPr lang="ru-RU" altLang="ru-RU" sz="2400" dirty="0" err="1">
-                <a:latin typeface="Century Schoolbook" pitchFamily="18" charset="0"/>
+                <a:ea typeface="Century Schoolbook" pitchFamily="18" charset="0"/>
+                <a:cs typeface="Century Schoolbook" pitchFamily="18" charset="0"/>
+                <a:sym typeface="Century Schoolbook" pitchFamily="18" charset="0"/>
+              </a:rPr>
+              <a:t> </a:t>
+            </a:r>
+            <a:r>
+              <a:rPr lang="ru-RU" altLang="ru-RU" sz="2400" dirty="0" err="1">
                 <a:ea typeface="Century Schoolbook" pitchFamily="18" charset="0"/>
                 <a:cs typeface="Century Schoolbook" pitchFamily="18" charset="0"/>
                 <a:sym typeface="Century Schoolbook" pitchFamily="18" charset="0"/>
@@ -15296,7 +15393,6 @@
             </a:r>
             <a:r>
               <a:rPr lang="ru-RU" altLang="ru-RU" sz="2400" dirty="0">
-                <a:latin typeface="Century Schoolbook" pitchFamily="18" charset="0"/>
                 <a:ea typeface="Century Schoolbook" pitchFamily="18" charset="0"/>
                 <a:cs typeface="Century Schoolbook" pitchFamily="18" charset="0"/>
                 <a:sym typeface="Century Schoolbook" pitchFamily="18" charset="0"/>
@@ -15305,7 +15401,6 @@
             </a:r>
             <a:r>
               <a:rPr lang="ru-RU" altLang="ru-RU" sz="2400" dirty="0" err="1">
-                <a:latin typeface="Century Schoolbook" pitchFamily="18" charset="0"/>
                 <a:ea typeface="Century Schoolbook" pitchFamily="18" charset="0"/>
                 <a:cs typeface="Century Schoolbook" pitchFamily="18" charset="0"/>
                 <a:sym typeface="Century Schoolbook" pitchFamily="18" charset="0"/>
@@ -15314,16 +15409,14 @@
             </a:r>
             <a:r>
               <a:rPr lang="ru-RU" altLang="ru-RU" sz="2400" dirty="0">
-                <a:latin typeface="Century Schoolbook" pitchFamily="18" charset="0"/>
-                <a:ea typeface="Century Schoolbook" pitchFamily="18" charset="0"/>
-                <a:cs typeface="Century Schoolbook" pitchFamily="18" charset="0"/>
-                <a:sym typeface="Century Schoolbook" pitchFamily="18" charset="0"/>
-              </a:rPr>
-              <a:t> </a:t>
-            </a:r>
-            <a:r>
-              <a:rPr lang="ru-RU" altLang="ru-RU" sz="2400" dirty="0" err="1">
-                <a:latin typeface="Century Schoolbook" pitchFamily="18" charset="0"/>
+                <a:ea typeface="Century Schoolbook" pitchFamily="18" charset="0"/>
+                <a:cs typeface="Century Schoolbook" pitchFamily="18" charset="0"/>
+                <a:sym typeface="Century Schoolbook" pitchFamily="18" charset="0"/>
+              </a:rPr>
+              <a:t> </a:t>
+            </a:r>
+            <a:r>
+              <a:rPr lang="ru-RU" altLang="ru-RU" sz="2400" dirty="0" err="1">
                 <a:ea typeface="Century Schoolbook" pitchFamily="18" charset="0"/>
                 <a:cs typeface="Century Schoolbook" pitchFamily="18" charset="0"/>
                 <a:sym typeface="Century Schoolbook" pitchFamily="18" charset="0"/>
@@ -15332,16 +15425,14 @@
             </a:r>
             <a:r>
               <a:rPr lang="ru-RU" altLang="ru-RU" sz="2400" dirty="0">
-                <a:latin typeface="Century Schoolbook" pitchFamily="18" charset="0"/>
-                <a:ea typeface="Century Schoolbook" pitchFamily="18" charset="0"/>
-                <a:cs typeface="Century Schoolbook" pitchFamily="18" charset="0"/>
-                <a:sym typeface="Century Schoolbook" pitchFamily="18" charset="0"/>
-              </a:rPr>
-              <a:t> </a:t>
-            </a:r>
-            <a:r>
-              <a:rPr lang="ru-RU" altLang="ru-RU" sz="2400" dirty="0" err="1">
-                <a:latin typeface="Century Schoolbook" pitchFamily="18" charset="0"/>
+                <a:ea typeface="Century Schoolbook" pitchFamily="18" charset="0"/>
+                <a:cs typeface="Century Schoolbook" pitchFamily="18" charset="0"/>
+                <a:sym typeface="Century Schoolbook" pitchFamily="18" charset="0"/>
+              </a:rPr>
+              <a:t> </a:t>
+            </a:r>
+            <a:r>
+              <a:rPr lang="ru-RU" altLang="ru-RU" sz="2400" dirty="0" err="1">
                 <a:ea typeface="Century Schoolbook" pitchFamily="18" charset="0"/>
                 <a:cs typeface="Century Schoolbook" pitchFamily="18" charset="0"/>
                 <a:sym typeface="Century Schoolbook" pitchFamily="18" charset="0"/>
@@ -15350,16 +15441,14 @@
             </a:r>
             <a:r>
               <a:rPr lang="ru-RU" altLang="ru-RU" sz="2400" dirty="0">
-                <a:latin typeface="Century Schoolbook" pitchFamily="18" charset="0"/>
-                <a:ea typeface="Century Schoolbook" pitchFamily="18" charset="0"/>
-                <a:cs typeface="Century Schoolbook" pitchFamily="18" charset="0"/>
-                <a:sym typeface="Century Schoolbook" pitchFamily="18" charset="0"/>
-              </a:rPr>
-              <a:t> </a:t>
-            </a:r>
-            <a:r>
-              <a:rPr lang="ru-RU" altLang="ru-RU" sz="2400" dirty="0" err="1">
-                <a:latin typeface="Century Schoolbook" pitchFamily="18" charset="0"/>
+                <a:ea typeface="Century Schoolbook" pitchFamily="18" charset="0"/>
+                <a:cs typeface="Century Schoolbook" pitchFamily="18" charset="0"/>
+                <a:sym typeface="Century Schoolbook" pitchFamily="18" charset="0"/>
+              </a:rPr>
+              <a:t> </a:t>
+            </a:r>
+            <a:r>
+              <a:rPr lang="ru-RU" altLang="ru-RU" sz="2400" dirty="0" err="1">
                 <a:ea typeface="Century Schoolbook" pitchFamily="18" charset="0"/>
                 <a:cs typeface="Century Schoolbook" pitchFamily="18" charset="0"/>
                 <a:sym typeface="Century Schoolbook" pitchFamily="18" charset="0"/>
@@ -15368,7 +15457,6 @@
             </a:r>
             <a:r>
               <a:rPr lang="ru-RU" altLang="ru-RU" sz="2400" dirty="0">
-                <a:latin typeface="Century Schoolbook" pitchFamily="18" charset="0"/>
                 <a:ea typeface="Century Schoolbook" pitchFamily="18" charset="0"/>
                 <a:cs typeface="Century Schoolbook" pitchFamily="18" charset="0"/>
                 <a:sym typeface="Century Schoolbook" pitchFamily="18" charset="0"/>
@@ -15377,7 +15465,6 @@
             </a:r>
             <a:r>
               <a:rPr lang="ru-RU" altLang="ru-RU" sz="2400" dirty="0" err="1">
-                <a:latin typeface="Century Schoolbook" pitchFamily="18" charset="0"/>
                 <a:ea typeface="Century Schoolbook" pitchFamily="18" charset="0"/>
                 <a:cs typeface="Century Schoolbook" pitchFamily="18" charset="0"/>
                 <a:sym typeface="Century Schoolbook" pitchFamily="18" charset="0"/>
@@ -15386,16 +15473,14 @@
             </a:r>
             <a:r>
               <a:rPr lang="ru-RU" altLang="ru-RU" sz="2400" dirty="0">
-                <a:latin typeface="Century Schoolbook" pitchFamily="18" charset="0"/>
-                <a:ea typeface="Century Schoolbook" pitchFamily="18" charset="0"/>
-                <a:cs typeface="Century Schoolbook" pitchFamily="18" charset="0"/>
-                <a:sym typeface="Century Schoolbook" pitchFamily="18" charset="0"/>
-              </a:rPr>
-              <a:t> </a:t>
-            </a:r>
-            <a:r>
-              <a:rPr lang="ru-RU" altLang="ru-RU" sz="2400" dirty="0" err="1">
-                <a:latin typeface="Century Schoolbook" pitchFamily="18" charset="0"/>
+                <a:ea typeface="Century Schoolbook" pitchFamily="18" charset="0"/>
+                <a:cs typeface="Century Schoolbook" pitchFamily="18" charset="0"/>
+                <a:sym typeface="Century Schoolbook" pitchFamily="18" charset="0"/>
+              </a:rPr>
+              <a:t> </a:t>
+            </a:r>
+            <a:r>
+              <a:rPr lang="ru-RU" altLang="ru-RU" sz="2400" dirty="0" err="1">
                 <a:ea typeface="Century Schoolbook" pitchFamily="18" charset="0"/>
                 <a:cs typeface="Century Schoolbook" pitchFamily="18" charset="0"/>
                 <a:sym typeface="Century Schoolbook" pitchFamily="18" charset="0"/>
@@ -15404,7 +15489,6 @@
             </a:r>
             <a:r>
               <a:rPr lang="ru-RU" altLang="ru-RU" sz="2400" dirty="0">
-                <a:latin typeface="Century Schoolbook" pitchFamily="18" charset="0"/>
                 <a:ea typeface="Century Schoolbook" pitchFamily="18" charset="0"/>
                 <a:cs typeface="Century Schoolbook" pitchFamily="18" charset="0"/>
                 <a:sym typeface="Century Schoolbook" pitchFamily="18" charset="0"/>
@@ -15413,7 +15497,6 @@
             </a:r>
             <a:r>
               <a:rPr lang="ru-RU" altLang="ru-RU" sz="2400" dirty="0" err="1">
-                <a:latin typeface="Century Schoolbook" pitchFamily="18" charset="0"/>
                 <a:ea typeface="Century Schoolbook" pitchFamily="18" charset="0"/>
                 <a:cs typeface="Century Schoolbook" pitchFamily="18" charset="0"/>
                 <a:sym typeface="Century Schoolbook" pitchFamily="18" charset="0"/>
@@ -15422,7 +15505,6 @@
             </a:r>
             <a:r>
               <a:rPr lang="ru-RU" altLang="ru-RU" sz="2400" dirty="0">
-                <a:latin typeface="Century Schoolbook" pitchFamily="18" charset="0"/>
                 <a:ea typeface="Century Schoolbook" pitchFamily="18" charset="0"/>
                 <a:cs typeface="Century Schoolbook" pitchFamily="18" charset="0"/>
                 <a:sym typeface="Century Schoolbook" pitchFamily="18" charset="0"/>
@@ -15431,7 +15513,6 @@
             </a:r>
             <a:r>
               <a:rPr lang="ru-RU" altLang="ru-RU" sz="2400" dirty="0" err="1">
-                <a:latin typeface="Century Schoolbook" pitchFamily="18" charset="0"/>
                 <a:ea typeface="Century Schoolbook" pitchFamily="18" charset="0"/>
                 <a:cs typeface="Century Schoolbook" pitchFamily="18" charset="0"/>
                 <a:sym typeface="Century Schoolbook" pitchFamily="18" charset="0"/>
@@ -15440,16 +15521,14 @@
             </a:r>
             <a:r>
               <a:rPr lang="ru-RU" altLang="ru-RU" sz="2400" dirty="0">
-                <a:latin typeface="Century Schoolbook" pitchFamily="18" charset="0"/>
-                <a:ea typeface="Century Schoolbook" pitchFamily="18" charset="0"/>
-                <a:cs typeface="Century Schoolbook" pitchFamily="18" charset="0"/>
-                <a:sym typeface="Century Schoolbook" pitchFamily="18" charset="0"/>
-              </a:rPr>
-              <a:t> </a:t>
-            </a:r>
-            <a:r>
-              <a:rPr lang="ru-RU" altLang="ru-RU" sz="2400" dirty="0" err="1">
-                <a:latin typeface="Century Schoolbook" pitchFamily="18" charset="0"/>
+                <a:ea typeface="Century Schoolbook" pitchFamily="18" charset="0"/>
+                <a:cs typeface="Century Schoolbook" pitchFamily="18" charset="0"/>
+                <a:sym typeface="Century Schoolbook" pitchFamily="18" charset="0"/>
+              </a:rPr>
+              <a:t> </a:t>
+            </a:r>
+            <a:r>
+              <a:rPr lang="ru-RU" altLang="ru-RU" sz="2400" dirty="0" err="1">
                 <a:ea typeface="Century Schoolbook" pitchFamily="18" charset="0"/>
                 <a:cs typeface="Century Schoolbook" pitchFamily="18" charset="0"/>
                 <a:sym typeface="Century Schoolbook" pitchFamily="18" charset="0"/>
@@ -15458,7 +15537,6 @@
             </a:r>
             <a:r>
               <a:rPr lang="ru-RU" altLang="ru-RU" sz="2400" dirty="0">
-                <a:latin typeface="Century Schoolbook" pitchFamily="18" charset="0"/>
                 <a:ea typeface="Century Schoolbook" pitchFamily="18" charset="0"/>
                 <a:cs typeface="Century Schoolbook" pitchFamily="18" charset="0"/>
                 <a:sym typeface="Century Schoolbook" pitchFamily="18" charset="0"/>
@@ -15467,7 +15545,6 @@
             </a:r>
             <a:r>
               <a:rPr lang="ru-RU" altLang="ru-RU" sz="2400" dirty="0" err="1">
-                <a:latin typeface="Century Schoolbook" pitchFamily="18" charset="0"/>
                 <a:ea typeface="Century Schoolbook" pitchFamily="18" charset="0"/>
                 <a:cs typeface="Century Schoolbook" pitchFamily="18" charset="0"/>
                 <a:sym typeface="Century Schoolbook" pitchFamily="18" charset="0"/>
@@ -15476,7 +15553,6 @@
             </a:r>
             <a:r>
               <a:rPr lang="ru-RU" altLang="ru-RU" sz="2400" dirty="0">
-                <a:latin typeface="Century Schoolbook" pitchFamily="18" charset="0"/>
                 <a:ea typeface="Century Schoolbook" pitchFamily="18" charset="0"/>
                 <a:cs typeface="Century Schoolbook" pitchFamily="18" charset="0"/>
                 <a:sym typeface="Century Schoolbook" pitchFamily="18" charset="0"/>
@@ -15485,7 +15561,6 @@
             </a:r>
             <a:r>
               <a:rPr lang="ru-RU" altLang="ru-RU" sz="2400" dirty="0" err="1">
-                <a:latin typeface="Century Schoolbook" pitchFamily="18" charset="0"/>
                 <a:ea typeface="Century Schoolbook" pitchFamily="18" charset="0"/>
                 <a:cs typeface="Century Schoolbook" pitchFamily="18" charset="0"/>
                 <a:sym typeface="Century Schoolbook" pitchFamily="18" charset="0"/>
@@ -15494,7 +15569,6 @@
             </a:r>
             <a:r>
               <a:rPr lang="ru-RU" altLang="ru-RU" sz="2400" dirty="0">
-                <a:latin typeface="Century Schoolbook" pitchFamily="18" charset="0"/>
                 <a:ea typeface="Century Schoolbook" pitchFamily="18" charset="0"/>
                 <a:cs typeface="Century Schoolbook" pitchFamily="18" charset="0"/>
                 <a:sym typeface="Century Schoolbook" pitchFamily="18" charset="0"/>
@@ -15503,7 +15577,6 @@
             </a:r>
             <a:r>
               <a:rPr lang="ru-RU" altLang="ru-RU" sz="2400" dirty="0" err="1">
-                <a:latin typeface="Century Schoolbook" pitchFamily="18" charset="0"/>
                 <a:ea typeface="Century Schoolbook" pitchFamily="18" charset="0"/>
                 <a:cs typeface="Century Schoolbook" pitchFamily="18" charset="0"/>
                 <a:sym typeface="Century Schoolbook" pitchFamily="18" charset="0"/>
@@ -15512,7 +15585,6 @@
             </a:r>
             <a:r>
               <a:rPr lang="ru-RU" altLang="ru-RU" sz="2400" dirty="0">
-                <a:latin typeface="Century Schoolbook" pitchFamily="18" charset="0"/>
                 <a:ea typeface="Century Schoolbook" pitchFamily="18" charset="0"/>
                 <a:cs typeface="Century Schoolbook" pitchFamily="18" charset="0"/>
                 <a:sym typeface="Century Schoolbook" pitchFamily="18" charset="0"/>
@@ -17200,8 +17272,651 @@
           </a:xfrm>
         </p:spPr>
         <p:txBody>
-          <a:bodyPr lIns="0" tIns="0" rIns="0" bIns="0"/>
+          <a:bodyPr lIns="0" tIns="0" rIns="0" bIns="0">
+            <a:normAutofit fontScale="92500" lnSpcReduction="10000"/>
+          </a:bodyPr>
           <a:lstStyle/>
+          <a:p>
+            <a:pPr marL="0" indent="0">
+              <a:spcBef>
+                <a:spcPts val="600"/>
+              </a:spcBef>
+              <a:buClr>
+                <a:srgbClr val="FE8637"/>
+              </a:buClr>
+              <a:buSzPct val="70000"/>
+              <a:buNone/>
+            </a:pPr>
+            <a:r>
+              <a:rPr lang="uk-UA" altLang="ru-RU" dirty="0" smtClean="0">
+                <a:ea typeface="Century Schoolbook" pitchFamily="18" charset="0"/>
+                <a:cs typeface="Century Schoolbook" pitchFamily="18" charset="0"/>
+                <a:sym typeface="Century Schoolbook" pitchFamily="18" charset="0"/>
+              </a:rPr>
+              <a:t>Припустимо</a:t>
+            </a:r>
+            <a:r>
+              <a:rPr lang="ru-RU" altLang="ru-RU" dirty="0" smtClean="0">
+                <a:ea typeface="Century Schoolbook" pitchFamily="18" charset="0"/>
+                <a:cs typeface="Century Schoolbook" pitchFamily="18" charset="0"/>
+                <a:sym typeface="Century Schoolbook" pitchFamily="18" charset="0"/>
+              </a:rPr>
+              <a:t>, </a:t>
+            </a:r>
+            <a:r>
+              <a:rPr lang="ru-RU" altLang="ru-RU" dirty="0" err="1">
+                <a:ea typeface="Century Schoolbook" pitchFamily="18" charset="0"/>
+                <a:cs typeface="Century Schoolbook" pitchFamily="18" charset="0"/>
+                <a:sym typeface="Century Schoolbook" pitchFamily="18" charset="0"/>
+              </a:rPr>
+              <a:t>що</a:t>
+            </a:r>
+            <a:r>
+              <a:rPr lang="ru-RU" altLang="ru-RU" dirty="0">
+                <a:ea typeface="Century Schoolbook" pitchFamily="18" charset="0"/>
+                <a:cs typeface="Century Schoolbook" pitchFamily="18" charset="0"/>
+                <a:sym typeface="Century Schoolbook" pitchFamily="18" charset="0"/>
+              </a:rPr>
+              <a:t> </a:t>
+            </a:r>
+            <a:r>
+              <a:rPr lang="ru-RU" altLang="ru-RU" dirty="0" err="1">
+                <a:ea typeface="Century Schoolbook" pitchFamily="18" charset="0"/>
+                <a:cs typeface="Century Schoolbook" pitchFamily="18" charset="0"/>
+                <a:sym typeface="Century Schoolbook" pitchFamily="18" charset="0"/>
+              </a:rPr>
+              <a:t>застосуванню</a:t>
+            </a:r>
+            <a:r>
+              <a:rPr lang="ru-RU" altLang="ru-RU" dirty="0">
+                <a:ea typeface="Century Schoolbook" pitchFamily="18" charset="0"/>
+                <a:cs typeface="Century Schoolbook" pitchFamily="18" charset="0"/>
+                <a:sym typeface="Century Schoolbook" pitchFamily="18" charset="0"/>
+              </a:rPr>
+              <a:t> </a:t>
+            </a:r>
+            <a:r>
+              <a:rPr lang="ru-RU" altLang="ru-RU" dirty="0" err="1">
+                <a:ea typeface="Century Schoolbook" pitchFamily="18" charset="0"/>
+                <a:cs typeface="Century Schoolbook" pitchFamily="18" charset="0"/>
+                <a:sym typeface="Century Schoolbook" pitchFamily="18" charset="0"/>
+              </a:rPr>
+              <a:t>потрібна</a:t>
+            </a:r>
+            <a:r>
+              <a:rPr lang="ru-RU" altLang="ru-RU" dirty="0">
+                <a:ea typeface="Century Schoolbook" pitchFamily="18" charset="0"/>
+                <a:cs typeface="Century Schoolbook" pitchFamily="18" charset="0"/>
+                <a:sym typeface="Century Schoolbook" pitchFamily="18" charset="0"/>
+              </a:rPr>
+              <a:t> </a:t>
+            </a:r>
+            <a:r>
+              <a:rPr lang="ru-RU" altLang="ru-RU" dirty="0" err="1">
+                <a:ea typeface="Century Schoolbook" pitchFamily="18" charset="0"/>
+                <a:cs typeface="Century Schoolbook" pitchFamily="18" charset="0"/>
+                <a:sym typeface="Century Schoolbook" pitchFamily="18" charset="0"/>
+              </a:rPr>
+              <a:t>динамічна</a:t>
+            </a:r>
+            <a:r>
+              <a:rPr lang="ru-RU" altLang="ru-RU" dirty="0">
+                <a:ea typeface="Century Schoolbook" pitchFamily="18" charset="0"/>
+                <a:cs typeface="Century Schoolbook" pitchFamily="18" charset="0"/>
+                <a:sym typeface="Century Schoolbook" pitchFamily="18" charset="0"/>
+              </a:rPr>
+              <a:t> </a:t>
+            </a:r>
+            <a:r>
+              <a:rPr lang="ru-RU" altLang="ru-RU" dirty="0" err="1">
+                <a:ea typeface="Century Schoolbook" pitchFamily="18" charset="0"/>
+                <a:cs typeface="Century Schoolbook" pitchFamily="18" charset="0"/>
+                <a:sym typeface="Century Schoolbook" pitchFamily="18" charset="0"/>
+              </a:rPr>
+              <a:t>множина</a:t>
+            </a:r>
+            <a:r>
+              <a:rPr lang="ru-RU" altLang="ru-RU" dirty="0">
+                <a:ea typeface="Century Schoolbook" pitchFamily="18" charset="0"/>
+                <a:cs typeface="Century Schoolbook" pitchFamily="18" charset="0"/>
+                <a:sym typeface="Century Schoolbook" pitchFamily="18" charset="0"/>
+              </a:rPr>
+              <a:t>, </a:t>
+            </a:r>
+            <a:r>
+              <a:rPr lang="ru-RU" altLang="ru-RU" dirty="0" err="1">
+                <a:ea typeface="Century Schoolbook" pitchFamily="18" charset="0"/>
+                <a:cs typeface="Century Schoolbook" pitchFamily="18" charset="0"/>
+                <a:sym typeface="Century Schoolbook" pitchFamily="18" charset="0"/>
+              </a:rPr>
+              <a:t>кожний</a:t>
+            </a:r>
+            <a:r>
+              <a:rPr lang="ru-RU" altLang="ru-RU" dirty="0">
+                <a:ea typeface="Century Schoolbook" pitchFamily="18" charset="0"/>
+                <a:cs typeface="Century Schoolbook" pitchFamily="18" charset="0"/>
+                <a:sym typeface="Century Schoolbook" pitchFamily="18" charset="0"/>
+              </a:rPr>
+              <a:t> </a:t>
+            </a:r>
+            <a:r>
+              <a:rPr lang="ru-RU" altLang="ru-RU" dirty="0" err="1">
+                <a:ea typeface="Century Schoolbook" pitchFamily="18" charset="0"/>
+                <a:cs typeface="Century Schoolbook" pitchFamily="18" charset="0"/>
+                <a:sym typeface="Century Schoolbook" pitchFamily="18" charset="0"/>
+              </a:rPr>
+              <a:t>елемент</a:t>
+            </a:r>
+            <a:r>
+              <a:rPr lang="ru-RU" altLang="ru-RU" dirty="0">
+                <a:ea typeface="Century Schoolbook" pitchFamily="18" charset="0"/>
+                <a:cs typeface="Century Schoolbook" pitchFamily="18" charset="0"/>
+                <a:sym typeface="Century Schoolbook" pitchFamily="18" charset="0"/>
+              </a:rPr>
+              <a:t> </a:t>
+            </a:r>
+            <a:r>
+              <a:rPr lang="ru-RU" altLang="ru-RU" dirty="0" err="1">
+                <a:ea typeface="Century Schoolbook" pitchFamily="18" charset="0"/>
+                <a:cs typeface="Century Schoolbook" pitchFamily="18" charset="0"/>
+                <a:sym typeface="Century Schoolbook" pitchFamily="18" charset="0"/>
+              </a:rPr>
+              <a:t>якої</a:t>
+            </a:r>
+            <a:r>
+              <a:rPr lang="ru-RU" altLang="ru-RU" dirty="0">
+                <a:ea typeface="Century Schoolbook" pitchFamily="18" charset="0"/>
+                <a:cs typeface="Century Schoolbook" pitchFamily="18" charset="0"/>
+                <a:sym typeface="Century Schoolbook" pitchFamily="18" charset="0"/>
+              </a:rPr>
+              <a:t> </a:t>
+            </a:r>
+            <a:r>
+              <a:rPr lang="ru-RU" altLang="ru-RU" dirty="0" err="1">
+                <a:ea typeface="Century Schoolbook" pitchFamily="18" charset="0"/>
+                <a:cs typeface="Century Schoolbook" pitchFamily="18" charset="0"/>
+                <a:sym typeface="Century Schoolbook" pitchFamily="18" charset="0"/>
+              </a:rPr>
+              <a:t>має</a:t>
+            </a:r>
+            <a:r>
+              <a:rPr lang="ru-RU" altLang="ru-RU" dirty="0">
+                <a:ea typeface="Century Schoolbook" pitchFamily="18" charset="0"/>
+                <a:cs typeface="Century Schoolbook" pitchFamily="18" charset="0"/>
+                <a:sym typeface="Century Schoolbook" pitchFamily="18" charset="0"/>
+              </a:rPr>
+              <a:t> ключ з </a:t>
+            </a:r>
+            <a:r>
+              <a:rPr lang="ru-RU" altLang="ru-RU" dirty="0" err="1">
+                <a:ea typeface="Century Schoolbook" pitchFamily="18" charset="0"/>
+                <a:cs typeface="Century Schoolbook" pitchFamily="18" charset="0"/>
+                <a:sym typeface="Century Schoolbook" pitchFamily="18" charset="0"/>
+              </a:rPr>
+              <a:t>множини</a:t>
+            </a:r>
+            <a:r>
+              <a:rPr lang="ru-RU" altLang="ru-RU" dirty="0">
+                <a:ea typeface="Century Schoolbook" pitchFamily="18" charset="0"/>
+                <a:cs typeface="Century Schoolbook" pitchFamily="18" charset="0"/>
+                <a:sym typeface="Century Schoolbook" pitchFamily="18" charset="0"/>
+              </a:rPr>
+              <a:t> U = {0, 1, …, m – 1}, де m не </a:t>
+            </a:r>
+            <a:r>
+              <a:rPr lang="ru-RU" altLang="ru-RU" dirty="0" err="1">
+                <a:ea typeface="Century Schoolbook" pitchFamily="18" charset="0"/>
+                <a:cs typeface="Century Schoolbook" pitchFamily="18" charset="0"/>
+                <a:sym typeface="Century Schoolbook" pitchFamily="18" charset="0"/>
+              </a:rPr>
+              <a:t>дуже</a:t>
+            </a:r>
+            <a:r>
+              <a:rPr lang="ru-RU" altLang="ru-RU" dirty="0">
+                <a:ea typeface="Century Schoolbook" pitchFamily="18" charset="0"/>
+                <a:cs typeface="Century Schoolbook" pitchFamily="18" charset="0"/>
+                <a:sym typeface="Century Schoolbook" pitchFamily="18" charset="0"/>
+              </a:rPr>
+              <a:t> </a:t>
+            </a:r>
+            <a:r>
+              <a:rPr lang="ru-RU" altLang="ru-RU" dirty="0" err="1">
+                <a:ea typeface="Century Schoolbook" pitchFamily="18" charset="0"/>
+                <a:cs typeface="Century Schoolbook" pitchFamily="18" charset="0"/>
+                <a:sym typeface="Century Schoolbook" pitchFamily="18" charset="0"/>
+              </a:rPr>
+              <a:t>велике</a:t>
+            </a:r>
+            <a:r>
+              <a:rPr lang="ru-RU" altLang="ru-RU" dirty="0">
+                <a:ea typeface="Century Schoolbook" pitchFamily="18" charset="0"/>
+                <a:cs typeface="Century Schoolbook" pitchFamily="18" charset="0"/>
+                <a:sym typeface="Century Schoolbook" pitchFamily="18" charset="0"/>
+              </a:rPr>
+              <a:t>. </a:t>
+            </a:r>
+            <a:r>
+              <a:rPr lang="ru-RU" altLang="ru-RU" dirty="0" err="1">
+                <a:ea typeface="Century Schoolbook" pitchFamily="18" charset="0"/>
+                <a:cs typeface="Century Schoolbook" pitchFamily="18" charset="0"/>
+                <a:sym typeface="Century Schoolbook" pitchFamily="18" charset="0"/>
+              </a:rPr>
+              <a:t>Крім</a:t>
+            </a:r>
+            <a:r>
+              <a:rPr lang="ru-RU" altLang="ru-RU" dirty="0">
+                <a:ea typeface="Century Schoolbook" pitchFamily="18" charset="0"/>
+                <a:cs typeface="Century Schoolbook" pitchFamily="18" charset="0"/>
+                <a:sym typeface="Century Schoolbook" pitchFamily="18" charset="0"/>
+              </a:rPr>
+              <a:t> того, </a:t>
+            </a:r>
+            <a:r>
+              <a:rPr lang="ru-RU" altLang="ru-RU" dirty="0" err="1">
+                <a:ea typeface="Century Schoolbook" pitchFamily="18" charset="0"/>
+                <a:cs typeface="Century Schoolbook" pitchFamily="18" charset="0"/>
+                <a:sym typeface="Century Schoolbook" pitchFamily="18" charset="0"/>
+              </a:rPr>
+              <a:t>припускається</a:t>
+            </a:r>
+            <a:r>
+              <a:rPr lang="ru-RU" altLang="ru-RU" dirty="0">
+                <a:ea typeface="Century Schoolbook" pitchFamily="18" charset="0"/>
+                <a:cs typeface="Century Schoolbook" pitchFamily="18" charset="0"/>
+                <a:sym typeface="Century Schoolbook" pitchFamily="18" charset="0"/>
+              </a:rPr>
+              <a:t>, </a:t>
+            </a:r>
+            <a:r>
+              <a:rPr lang="ru-RU" altLang="ru-RU" dirty="0" err="1">
+                <a:ea typeface="Century Schoolbook" pitchFamily="18" charset="0"/>
+                <a:cs typeface="Century Schoolbook" pitchFamily="18" charset="0"/>
+                <a:sym typeface="Century Schoolbook" pitchFamily="18" charset="0"/>
+              </a:rPr>
+              <a:t>що</a:t>
+            </a:r>
+            <a:r>
+              <a:rPr lang="ru-RU" altLang="ru-RU" dirty="0">
+                <a:ea typeface="Century Schoolbook" pitchFamily="18" charset="0"/>
+                <a:cs typeface="Century Schoolbook" pitchFamily="18" charset="0"/>
+                <a:sym typeface="Century Schoolbook" pitchFamily="18" charset="0"/>
+              </a:rPr>
+              <a:t> </a:t>
+            </a:r>
+            <a:r>
+              <a:rPr lang="ru-RU" altLang="ru-RU" dirty="0" err="1">
+                <a:ea typeface="Century Schoolbook" pitchFamily="18" charset="0"/>
+                <a:cs typeface="Century Schoolbook" pitchFamily="18" charset="0"/>
+                <a:sym typeface="Century Schoolbook" pitchFamily="18" charset="0"/>
+              </a:rPr>
+              <a:t>жодні</a:t>
+            </a:r>
+            <a:r>
+              <a:rPr lang="ru-RU" altLang="ru-RU" dirty="0">
+                <a:ea typeface="Century Schoolbook" pitchFamily="18" charset="0"/>
+                <a:cs typeface="Century Schoolbook" pitchFamily="18" charset="0"/>
+                <a:sym typeface="Century Schoolbook" pitchFamily="18" charset="0"/>
+              </a:rPr>
+              <a:t> два </a:t>
+            </a:r>
+            <a:r>
+              <a:rPr lang="ru-RU" altLang="ru-RU" dirty="0" err="1">
+                <a:ea typeface="Century Schoolbook" pitchFamily="18" charset="0"/>
+                <a:cs typeface="Century Schoolbook" pitchFamily="18" charset="0"/>
+                <a:sym typeface="Century Schoolbook" pitchFamily="18" charset="0"/>
+              </a:rPr>
+              <a:t>елементи</a:t>
+            </a:r>
+            <a:r>
+              <a:rPr lang="ru-RU" altLang="ru-RU" dirty="0">
+                <a:ea typeface="Century Schoolbook" pitchFamily="18" charset="0"/>
+                <a:cs typeface="Century Schoolbook" pitchFamily="18" charset="0"/>
+                <a:sym typeface="Century Schoolbook" pitchFamily="18" charset="0"/>
+              </a:rPr>
+              <a:t> не </a:t>
+            </a:r>
+            <a:r>
+              <a:rPr lang="ru-RU" altLang="ru-RU" dirty="0" err="1">
+                <a:ea typeface="Century Schoolbook" pitchFamily="18" charset="0"/>
+                <a:cs typeface="Century Schoolbook" pitchFamily="18" charset="0"/>
+                <a:sym typeface="Century Schoolbook" pitchFamily="18" charset="0"/>
+              </a:rPr>
+              <a:t>мають</a:t>
+            </a:r>
+            <a:r>
+              <a:rPr lang="ru-RU" altLang="ru-RU" dirty="0">
+                <a:ea typeface="Century Schoolbook" pitchFamily="18" charset="0"/>
+                <a:cs typeface="Century Schoolbook" pitchFamily="18" charset="0"/>
+                <a:sym typeface="Century Schoolbook" pitchFamily="18" charset="0"/>
+              </a:rPr>
+              <a:t> </a:t>
+            </a:r>
+            <a:r>
+              <a:rPr lang="ru-RU" altLang="ru-RU" dirty="0" err="1">
+                <a:ea typeface="Century Schoolbook" pitchFamily="18" charset="0"/>
+                <a:cs typeface="Century Schoolbook" pitchFamily="18" charset="0"/>
+                <a:sym typeface="Century Schoolbook" pitchFamily="18" charset="0"/>
+              </a:rPr>
+              <a:t>однакових</a:t>
+            </a:r>
+            <a:r>
+              <a:rPr lang="ru-RU" altLang="ru-RU" dirty="0">
+                <a:ea typeface="Century Schoolbook" pitchFamily="18" charset="0"/>
+                <a:cs typeface="Century Schoolbook" pitchFamily="18" charset="0"/>
+                <a:sym typeface="Century Schoolbook" pitchFamily="18" charset="0"/>
+              </a:rPr>
+              <a:t> </a:t>
+            </a:r>
+            <a:r>
+              <a:rPr lang="ru-RU" altLang="ru-RU" dirty="0" err="1">
+                <a:ea typeface="Century Schoolbook" pitchFamily="18" charset="0"/>
+                <a:cs typeface="Century Schoolbook" pitchFamily="18" charset="0"/>
+                <a:sym typeface="Century Schoolbook" pitchFamily="18" charset="0"/>
+              </a:rPr>
+              <a:t>ключів</a:t>
+            </a:r>
+            <a:r>
+              <a:rPr lang="ru-RU" altLang="ru-RU" dirty="0">
+                <a:ea typeface="Century Schoolbook" pitchFamily="18" charset="0"/>
+                <a:cs typeface="Century Schoolbook" pitchFamily="18" charset="0"/>
+                <a:sym typeface="Century Schoolbook" pitchFamily="18" charset="0"/>
+              </a:rPr>
+              <a:t>. </a:t>
+            </a:r>
+          </a:p>
+          <a:p>
+            <a:pPr marL="0" indent="0">
+              <a:spcBef>
+                <a:spcPts val="600"/>
+              </a:spcBef>
+              <a:buClr>
+                <a:srgbClr val="FE8637"/>
+              </a:buClr>
+              <a:buSzPct val="70000"/>
+              <a:buNone/>
+            </a:pPr>
+            <a:r>
+              <a:rPr lang="ru-RU" altLang="ru-RU" dirty="0">
+                <a:ea typeface="Century Schoolbook" pitchFamily="18" charset="0"/>
+                <a:cs typeface="Century Schoolbook" pitchFamily="18" charset="0"/>
+                <a:sym typeface="Century Schoolbook" pitchFamily="18" charset="0"/>
+              </a:rPr>
+              <a:t>Для </a:t>
+            </a:r>
+            <a:r>
+              <a:rPr lang="ru-RU" altLang="ru-RU" dirty="0" err="1">
+                <a:ea typeface="Century Schoolbook" pitchFamily="18" charset="0"/>
+                <a:cs typeface="Century Schoolbook" pitchFamily="18" charset="0"/>
+                <a:sym typeface="Century Schoolbook" pitchFamily="18" charset="0"/>
+              </a:rPr>
+              <a:t>представлення</a:t>
+            </a:r>
+            <a:r>
+              <a:rPr lang="ru-RU" altLang="ru-RU" dirty="0">
+                <a:ea typeface="Century Schoolbook" pitchFamily="18" charset="0"/>
+                <a:cs typeface="Century Schoolbook" pitchFamily="18" charset="0"/>
+                <a:sym typeface="Century Schoolbook" pitchFamily="18" charset="0"/>
+              </a:rPr>
+              <a:t> </a:t>
+            </a:r>
+            <a:r>
+              <a:rPr lang="ru-RU" altLang="ru-RU" dirty="0" err="1">
+                <a:ea typeface="Century Schoolbook" pitchFamily="18" charset="0"/>
+                <a:cs typeface="Century Schoolbook" pitchFamily="18" charset="0"/>
+                <a:sym typeface="Century Schoolbook" pitchFamily="18" charset="0"/>
+              </a:rPr>
+              <a:t>динамічної</a:t>
+            </a:r>
+            <a:r>
+              <a:rPr lang="ru-RU" altLang="ru-RU" dirty="0">
+                <a:ea typeface="Century Schoolbook" pitchFamily="18" charset="0"/>
+                <a:cs typeface="Century Schoolbook" pitchFamily="18" charset="0"/>
+                <a:sym typeface="Century Schoolbook" pitchFamily="18" charset="0"/>
+              </a:rPr>
+              <a:t> </a:t>
+            </a:r>
+            <a:r>
+              <a:rPr lang="ru-RU" altLang="ru-RU" dirty="0" err="1">
+                <a:ea typeface="Century Schoolbook" pitchFamily="18" charset="0"/>
+                <a:cs typeface="Century Schoolbook" pitchFamily="18" charset="0"/>
+                <a:sym typeface="Century Schoolbook" pitchFamily="18" charset="0"/>
+              </a:rPr>
+              <a:t>множини</a:t>
+            </a:r>
+            <a:r>
+              <a:rPr lang="ru-RU" altLang="ru-RU" dirty="0">
+                <a:ea typeface="Century Schoolbook" pitchFamily="18" charset="0"/>
+                <a:cs typeface="Century Schoolbook" pitchFamily="18" charset="0"/>
+                <a:sym typeface="Century Schoolbook" pitchFamily="18" charset="0"/>
+              </a:rPr>
+              <a:t> </a:t>
+            </a:r>
+            <a:r>
+              <a:rPr lang="ru-RU" altLang="ru-RU" dirty="0" err="1">
+                <a:ea typeface="Century Schoolbook" pitchFamily="18" charset="0"/>
+                <a:cs typeface="Century Schoolbook" pitchFamily="18" charset="0"/>
+                <a:sym typeface="Century Schoolbook" pitchFamily="18" charset="0"/>
+              </a:rPr>
+              <a:t>використовується</a:t>
+            </a:r>
+            <a:r>
+              <a:rPr lang="ru-RU" altLang="ru-RU" dirty="0">
+                <a:ea typeface="Century Schoolbook" pitchFamily="18" charset="0"/>
+                <a:cs typeface="Century Schoolbook" pitchFamily="18" charset="0"/>
+                <a:sym typeface="Century Schoolbook" pitchFamily="18" charset="0"/>
+              </a:rPr>
+              <a:t> </a:t>
+            </a:r>
+            <a:r>
+              <a:rPr lang="ru-RU" altLang="ru-RU" dirty="0" err="1">
+                <a:ea typeface="Century Schoolbook" pitchFamily="18" charset="0"/>
+                <a:cs typeface="Century Schoolbook" pitchFamily="18" charset="0"/>
+                <a:sym typeface="Century Schoolbook" pitchFamily="18" charset="0"/>
+              </a:rPr>
+              <a:t>масив</a:t>
+            </a:r>
+            <a:r>
+              <a:rPr lang="ru-RU" altLang="ru-RU" dirty="0">
+                <a:ea typeface="Century Schoolbook" pitchFamily="18" charset="0"/>
+                <a:cs typeface="Century Schoolbook" pitchFamily="18" charset="0"/>
+                <a:sym typeface="Century Schoolbook" pitchFamily="18" charset="0"/>
+              </a:rPr>
+              <a:t>, </a:t>
+            </a:r>
+            <a:r>
+              <a:rPr lang="ru-RU" altLang="ru-RU" dirty="0" err="1">
+                <a:ea typeface="Century Schoolbook" pitchFamily="18" charset="0"/>
+                <a:cs typeface="Century Schoolbook" pitchFamily="18" charset="0"/>
+                <a:sym typeface="Century Schoolbook" pitchFamily="18" charset="0"/>
+              </a:rPr>
+              <a:t>або</a:t>
+            </a:r>
+            <a:r>
+              <a:rPr lang="ru-RU" altLang="ru-RU" dirty="0">
+                <a:ea typeface="Century Schoolbook" pitchFamily="18" charset="0"/>
+                <a:cs typeface="Century Schoolbook" pitchFamily="18" charset="0"/>
+                <a:sym typeface="Century Schoolbook" pitchFamily="18" charset="0"/>
+              </a:rPr>
+              <a:t> </a:t>
+            </a:r>
+            <a:r>
+              <a:rPr lang="ru-RU" altLang="ru-RU" dirty="0" err="1">
+                <a:ea typeface="Century Schoolbook" pitchFamily="18" charset="0"/>
+                <a:cs typeface="Century Schoolbook" pitchFamily="18" charset="0"/>
+                <a:sym typeface="Century Schoolbook" pitchFamily="18" charset="0"/>
+              </a:rPr>
+              <a:t>таблиця</a:t>
+            </a:r>
+            <a:r>
+              <a:rPr lang="ru-RU" altLang="ru-RU" dirty="0">
+                <a:ea typeface="Century Schoolbook" pitchFamily="18" charset="0"/>
+                <a:cs typeface="Century Schoolbook" pitchFamily="18" charset="0"/>
+                <a:sym typeface="Century Schoolbook" pitchFamily="18" charset="0"/>
+              </a:rPr>
+              <a:t> з прямою </a:t>
+            </a:r>
+            <a:r>
+              <a:rPr lang="ru-RU" altLang="ru-RU" dirty="0" err="1">
+                <a:ea typeface="Century Schoolbook" pitchFamily="18" charset="0"/>
+                <a:cs typeface="Century Schoolbook" pitchFamily="18" charset="0"/>
+                <a:sym typeface="Century Schoolbook" pitchFamily="18" charset="0"/>
+              </a:rPr>
+              <a:t>адресацією</a:t>
+            </a:r>
+            <a:r>
+              <a:rPr lang="ru-RU" altLang="ru-RU" dirty="0">
+                <a:ea typeface="Century Schoolbook" pitchFamily="18" charset="0"/>
+                <a:cs typeface="Century Schoolbook" pitchFamily="18" charset="0"/>
+                <a:sym typeface="Century Schoolbook" pitchFamily="18" charset="0"/>
+              </a:rPr>
+              <a:t>, </a:t>
+            </a:r>
+            <a:r>
+              <a:rPr lang="ru-RU" altLang="ru-RU" dirty="0" err="1">
+                <a:ea typeface="Century Schoolbook" pitchFamily="18" charset="0"/>
+                <a:cs typeface="Century Schoolbook" pitchFamily="18" charset="0"/>
+                <a:sym typeface="Century Schoolbook" pitchFamily="18" charset="0"/>
+              </a:rPr>
+              <a:t>який</a:t>
+            </a:r>
+            <a:r>
+              <a:rPr lang="ru-RU" altLang="ru-RU" dirty="0">
+                <a:ea typeface="Century Schoolbook" pitchFamily="18" charset="0"/>
+                <a:cs typeface="Century Schoolbook" pitchFamily="18" charset="0"/>
+                <a:sym typeface="Century Schoolbook" pitchFamily="18" charset="0"/>
+              </a:rPr>
+              <a:t> </a:t>
+            </a:r>
+            <a:r>
+              <a:rPr lang="ru-RU" altLang="ru-RU" dirty="0" err="1">
+                <a:ea typeface="Century Schoolbook" pitchFamily="18" charset="0"/>
+                <a:cs typeface="Century Schoolbook" pitchFamily="18" charset="0"/>
+                <a:sym typeface="Century Schoolbook" pitchFamily="18" charset="0"/>
+              </a:rPr>
+              <a:t>позначається</a:t>
+            </a:r>
+            <a:r>
+              <a:rPr lang="ru-RU" altLang="ru-RU" dirty="0">
+                <a:ea typeface="Century Schoolbook" pitchFamily="18" charset="0"/>
+                <a:cs typeface="Century Schoolbook" pitchFamily="18" charset="0"/>
+                <a:sym typeface="Century Schoolbook" pitchFamily="18" charset="0"/>
+              </a:rPr>
+              <a:t> як T[0… m – 1], </a:t>
+            </a:r>
+            <a:r>
+              <a:rPr lang="ru-RU" altLang="ru-RU" dirty="0" err="1">
+                <a:ea typeface="Century Schoolbook" pitchFamily="18" charset="0"/>
+                <a:cs typeface="Century Schoolbook" pitchFamily="18" charset="0"/>
+                <a:sym typeface="Century Schoolbook" pitchFamily="18" charset="0"/>
+              </a:rPr>
+              <a:t>кожна</a:t>
+            </a:r>
+            <a:r>
+              <a:rPr lang="ru-RU" altLang="ru-RU" dirty="0">
+                <a:ea typeface="Century Schoolbook" pitchFamily="18" charset="0"/>
+                <a:cs typeface="Century Schoolbook" pitchFamily="18" charset="0"/>
+                <a:sym typeface="Century Schoolbook" pitchFamily="18" charset="0"/>
+              </a:rPr>
+              <a:t> </a:t>
+            </a:r>
+            <a:r>
+              <a:rPr lang="ru-RU" altLang="ru-RU" dirty="0" err="1">
+                <a:ea typeface="Century Schoolbook" pitchFamily="18" charset="0"/>
+                <a:cs typeface="Century Schoolbook" pitchFamily="18" charset="0"/>
+                <a:sym typeface="Century Schoolbook" pitchFamily="18" charset="0"/>
+              </a:rPr>
+              <a:t>позиція</a:t>
+            </a:r>
+            <a:r>
+              <a:rPr lang="ru-RU" altLang="ru-RU" dirty="0">
+                <a:ea typeface="Century Schoolbook" pitchFamily="18" charset="0"/>
+                <a:cs typeface="Century Schoolbook" pitchFamily="18" charset="0"/>
+                <a:sym typeface="Century Schoolbook" pitchFamily="18" charset="0"/>
+              </a:rPr>
+              <a:t>, </a:t>
+            </a:r>
+            <a:r>
+              <a:rPr lang="ru-RU" altLang="ru-RU" dirty="0" err="1">
+                <a:ea typeface="Century Schoolbook" pitchFamily="18" charset="0"/>
+                <a:cs typeface="Century Schoolbook" pitchFamily="18" charset="0"/>
+                <a:sym typeface="Century Schoolbook" pitchFamily="18" charset="0"/>
+              </a:rPr>
+              <a:t>або</a:t>
+            </a:r>
+            <a:r>
+              <a:rPr lang="ru-RU" altLang="ru-RU" dirty="0">
+                <a:ea typeface="Century Schoolbook" pitchFamily="18" charset="0"/>
+                <a:cs typeface="Century Schoolbook" pitchFamily="18" charset="0"/>
+                <a:sym typeface="Century Schoolbook" pitchFamily="18" charset="0"/>
+              </a:rPr>
+              <a:t> </a:t>
+            </a:r>
+            <a:r>
+              <a:rPr lang="ru-RU" altLang="ru-RU" dirty="0" err="1">
+                <a:ea typeface="Century Schoolbook" pitchFamily="18" charset="0"/>
+                <a:cs typeface="Century Schoolbook" pitchFamily="18" charset="0"/>
+                <a:sym typeface="Century Schoolbook" pitchFamily="18" charset="0"/>
+              </a:rPr>
+              <a:t>комірка</a:t>
+            </a:r>
+            <a:r>
+              <a:rPr lang="ru-RU" altLang="ru-RU" dirty="0">
+                <a:ea typeface="Century Schoolbook" pitchFamily="18" charset="0"/>
+                <a:cs typeface="Century Schoolbook" pitchFamily="18" charset="0"/>
+                <a:sym typeface="Century Schoolbook" pitchFamily="18" charset="0"/>
+              </a:rPr>
+              <a:t>, </a:t>
+            </a:r>
+            <a:r>
+              <a:rPr lang="ru-RU" altLang="ru-RU" dirty="0" err="1">
+                <a:ea typeface="Century Schoolbook" pitchFamily="18" charset="0"/>
+                <a:cs typeface="Century Schoolbook" pitchFamily="18" charset="0"/>
+                <a:sym typeface="Century Schoolbook" pitchFamily="18" charset="0"/>
+              </a:rPr>
+              <a:t>якого</a:t>
+            </a:r>
+            <a:r>
+              <a:rPr lang="ru-RU" altLang="ru-RU" dirty="0">
+                <a:ea typeface="Century Schoolbook" pitchFamily="18" charset="0"/>
+                <a:cs typeface="Century Schoolbook" pitchFamily="18" charset="0"/>
+                <a:sym typeface="Century Schoolbook" pitchFamily="18" charset="0"/>
+              </a:rPr>
+              <a:t> </a:t>
+            </a:r>
+            <a:r>
+              <a:rPr lang="ru-RU" altLang="ru-RU" dirty="0" err="1">
+                <a:ea typeface="Century Schoolbook" pitchFamily="18" charset="0"/>
+                <a:cs typeface="Century Schoolbook" pitchFamily="18" charset="0"/>
+                <a:sym typeface="Century Schoolbook" pitchFamily="18" charset="0"/>
+              </a:rPr>
+              <a:t>відповідає</a:t>
+            </a:r>
+            <a:r>
+              <a:rPr lang="ru-RU" altLang="ru-RU" dirty="0">
+                <a:ea typeface="Century Schoolbook" pitchFamily="18" charset="0"/>
+                <a:cs typeface="Century Schoolbook" pitchFamily="18" charset="0"/>
+                <a:sym typeface="Century Schoolbook" pitchFamily="18" charset="0"/>
+              </a:rPr>
+              <a:t> ключу з простору </a:t>
+            </a:r>
+            <a:r>
+              <a:rPr lang="ru-RU" altLang="ru-RU" dirty="0" err="1">
+                <a:ea typeface="Century Schoolbook" pitchFamily="18" charset="0"/>
+                <a:cs typeface="Century Schoolbook" pitchFamily="18" charset="0"/>
+                <a:sym typeface="Century Schoolbook" pitchFamily="18" charset="0"/>
+              </a:rPr>
+              <a:t>ключів</a:t>
+            </a:r>
+            <a:r>
+              <a:rPr lang="ru-RU" altLang="ru-RU" dirty="0">
+                <a:ea typeface="Century Schoolbook" pitchFamily="18" charset="0"/>
+                <a:cs typeface="Century Schoolbook" pitchFamily="18" charset="0"/>
+                <a:sym typeface="Century Schoolbook" pitchFamily="18" charset="0"/>
+              </a:rPr>
+              <a:t> U.</a:t>
+            </a:r>
+            <a:endParaRPr lang="ru-RU" altLang="ru-RU" dirty="0"/>
+          </a:p>
           <a:p>
             <a:pPr marL="0" indent="0" defTabSz="914400">
               <a:spcBef>
@@ -17213,711 +17928,6 @@
               <a:buSzPct val="70000"/>
               <a:buNone/>
             </a:pPr>
-            <a:r>
-              <a:rPr lang="ru-RU" altLang="ru-RU" sz="2400" dirty="0" err="1">
-                <a:latin typeface="Century Schoolbook" pitchFamily="18" charset="0"/>
-                <a:ea typeface="Century Schoolbook" pitchFamily="18" charset="0"/>
-                <a:cs typeface="Century Schoolbook" pitchFamily="18" charset="0"/>
-                <a:sym typeface="Century Schoolbook" pitchFamily="18" charset="0"/>
-              </a:rPr>
-              <a:t>Припустимо</a:t>
-            </a:r>
-            <a:r>
-              <a:rPr lang="ru-RU" altLang="ru-RU" sz="2400" dirty="0">
-                <a:latin typeface="Century Schoolbook" pitchFamily="18" charset="0"/>
-                <a:ea typeface="Century Schoolbook" pitchFamily="18" charset="0"/>
-                <a:cs typeface="Century Schoolbook" pitchFamily="18" charset="0"/>
-                <a:sym typeface="Century Schoolbook" pitchFamily="18" charset="0"/>
-              </a:rPr>
-              <a:t>, </a:t>
-            </a:r>
-            <a:r>
-              <a:rPr lang="ru-RU" altLang="ru-RU" sz="2400" dirty="0" err="1">
-                <a:latin typeface="Century Schoolbook" pitchFamily="18" charset="0"/>
-                <a:ea typeface="Century Schoolbook" pitchFamily="18" charset="0"/>
-                <a:cs typeface="Century Schoolbook" pitchFamily="18" charset="0"/>
-                <a:sym typeface="Century Schoolbook" pitchFamily="18" charset="0"/>
-              </a:rPr>
-              <a:t>що</a:t>
-            </a:r>
-            <a:r>
-              <a:rPr lang="ru-RU" altLang="ru-RU" sz="2400" dirty="0">
-                <a:latin typeface="Century Schoolbook" pitchFamily="18" charset="0"/>
-                <a:ea typeface="Century Schoolbook" pitchFamily="18" charset="0"/>
-                <a:cs typeface="Century Schoolbook" pitchFamily="18" charset="0"/>
-                <a:sym typeface="Century Schoolbook" pitchFamily="18" charset="0"/>
-              </a:rPr>
-              <a:t> </a:t>
-            </a:r>
-            <a:r>
-              <a:rPr lang="ru-RU" altLang="ru-RU" sz="2400" dirty="0" err="1">
-                <a:latin typeface="Century Schoolbook" pitchFamily="18" charset="0"/>
-                <a:ea typeface="Century Schoolbook" pitchFamily="18" charset="0"/>
-                <a:cs typeface="Century Schoolbook" pitchFamily="18" charset="0"/>
-                <a:sym typeface="Century Schoolbook" pitchFamily="18" charset="0"/>
-              </a:rPr>
-              <a:t>застосуванню</a:t>
-            </a:r>
-            <a:r>
-              <a:rPr lang="ru-RU" altLang="ru-RU" sz="2400" dirty="0">
-                <a:latin typeface="Century Schoolbook" pitchFamily="18" charset="0"/>
-                <a:ea typeface="Century Schoolbook" pitchFamily="18" charset="0"/>
-                <a:cs typeface="Century Schoolbook" pitchFamily="18" charset="0"/>
-                <a:sym typeface="Century Schoolbook" pitchFamily="18" charset="0"/>
-              </a:rPr>
-              <a:t> </a:t>
-            </a:r>
-            <a:r>
-              <a:rPr lang="ru-RU" altLang="ru-RU" sz="2400" dirty="0" err="1">
-                <a:latin typeface="Century Schoolbook" pitchFamily="18" charset="0"/>
-                <a:ea typeface="Century Schoolbook" pitchFamily="18" charset="0"/>
-                <a:cs typeface="Century Schoolbook" pitchFamily="18" charset="0"/>
-                <a:sym typeface="Century Schoolbook" pitchFamily="18" charset="0"/>
-              </a:rPr>
-              <a:t>потрібна</a:t>
-            </a:r>
-            <a:r>
-              <a:rPr lang="ru-RU" altLang="ru-RU" sz="2400" dirty="0">
-                <a:latin typeface="Century Schoolbook" pitchFamily="18" charset="0"/>
-                <a:ea typeface="Century Schoolbook" pitchFamily="18" charset="0"/>
-                <a:cs typeface="Century Schoolbook" pitchFamily="18" charset="0"/>
-                <a:sym typeface="Century Schoolbook" pitchFamily="18" charset="0"/>
-              </a:rPr>
-              <a:t> </a:t>
-            </a:r>
-            <a:r>
-              <a:rPr lang="ru-RU" altLang="ru-RU" sz="2400" dirty="0" err="1">
-                <a:latin typeface="Century Schoolbook" pitchFamily="18" charset="0"/>
-                <a:ea typeface="Century Schoolbook" pitchFamily="18" charset="0"/>
-                <a:cs typeface="Century Schoolbook" pitchFamily="18" charset="0"/>
-                <a:sym typeface="Century Schoolbook" pitchFamily="18" charset="0"/>
-              </a:rPr>
-              <a:t>динамічна</a:t>
-            </a:r>
-            <a:r>
-              <a:rPr lang="ru-RU" altLang="ru-RU" sz="2400" dirty="0">
-                <a:latin typeface="Century Schoolbook" pitchFamily="18" charset="0"/>
-                <a:ea typeface="Century Schoolbook" pitchFamily="18" charset="0"/>
-                <a:cs typeface="Century Schoolbook" pitchFamily="18" charset="0"/>
-                <a:sym typeface="Century Schoolbook" pitchFamily="18" charset="0"/>
-              </a:rPr>
-              <a:t> </a:t>
-            </a:r>
-            <a:r>
-              <a:rPr lang="ru-RU" altLang="ru-RU" sz="2400" dirty="0" err="1">
-                <a:latin typeface="Century Schoolbook" pitchFamily="18" charset="0"/>
-                <a:ea typeface="Century Schoolbook" pitchFamily="18" charset="0"/>
-                <a:cs typeface="Century Schoolbook" pitchFamily="18" charset="0"/>
-                <a:sym typeface="Century Schoolbook" pitchFamily="18" charset="0"/>
-              </a:rPr>
-              <a:t>множина</a:t>
-            </a:r>
-            <a:r>
-              <a:rPr lang="ru-RU" altLang="ru-RU" sz="2400" dirty="0">
-                <a:latin typeface="Century Schoolbook" pitchFamily="18" charset="0"/>
-                <a:ea typeface="Century Schoolbook" pitchFamily="18" charset="0"/>
-                <a:cs typeface="Century Schoolbook" pitchFamily="18" charset="0"/>
-                <a:sym typeface="Century Schoolbook" pitchFamily="18" charset="0"/>
-              </a:rPr>
-              <a:t>, </a:t>
-            </a:r>
-            <a:r>
-              <a:rPr lang="ru-RU" altLang="ru-RU" sz="2400" dirty="0" err="1">
-                <a:latin typeface="Century Schoolbook" pitchFamily="18" charset="0"/>
-                <a:ea typeface="Century Schoolbook" pitchFamily="18" charset="0"/>
-                <a:cs typeface="Century Schoolbook" pitchFamily="18" charset="0"/>
-                <a:sym typeface="Century Schoolbook" pitchFamily="18" charset="0"/>
-              </a:rPr>
-              <a:t>кожний</a:t>
-            </a:r>
-            <a:r>
-              <a:rPr lang="ru-RU" altLang="ru-RU" sz="2400" dirty="0">
-                <a:latin typeface="Century Schoolbook" pitchFamily="18" charset="0"/>
-                <a:ea typeface="Century Schoolbook" pitchFamily="18" charset="0"/>
-                <a:cs typeface="Century Schoolbook" pitchFamily="18" charset="0"/>
-                <a:sym typeface="Century Schoolbook" pitchFamily="18" charset="0"/>
-              </a:rPr>
-              <a:t> </a:t>
-            </a:r>
-            <a:r>
-              <a:rPr lang="ru-RU" altLang="ru-RU" sz="2400" dirty="0" err="1">
-                <a:latin typeface="Century Schoolbook" pitchFamily="18" charset="0"/>
-                <a:ea typeface="Century Schoolbook" pitchFamily="18" charset="0"/>
-                <a:cs typeface="Century Schoolbook" pitchFamily="18" charset="0"/>
-                <a:sym typeface="Century Schoolbook" pitchFamily="18" charset="0"/>
-              </a:rPr>
-              <a:t>елемент</a:t>
-            </a:r>
-            <a:r>
-              <a:rPr lang="ru-RU" altLang="ru-RU" sz="2400" dirty="0">
-                <a:latin typeface="Century Schoolbook" pitchFamily="18" charset="0"/>
-                <a:ea typeface="Century Schoolbook" pitchFamily="18" charset="0"/>
-                <a:cs typeface="Century Schoolbook" pitchFamily="18" charset="0"/>
-                <a:sym typeface="Century Schoolbook" pitchFamily="18" charset="0"/>
-              </a:rPr>
-              <a:t> </a:t>
-            </a:r>
-            <a:r>
-              <a:rPr lang="ru-RU" altLang="ru-RU" sz="2400" dirty="0" err="1">
-                <a:latin typeface="Century Schoolbook" pitchFamily="18" charset="0"/>
-                <a:ea typeface="Century Schoolbook" pitchFamily="18" charset="0"/>
-                <a:cs typeface="Century Schoolbook" pitchFamily="18" charset="0"/>
-                <a:sym typeface="Century Schoolbook" pitchFamily="18" charset="0"/>
-              </a:rPr>
-              <a:t>якої</a:t>
-            </a:r>
-            <a:r>
-              <a:rPr lang="ru-RU" altLang="ru-RU" sz="2400" dirty="0">
-                <a:latin typeface="Century Schoolbook" pitchFamily="18" charset="0"/>
-                <a:ea typeface="Century Schoolbook" pitchFamily="18" charset="0"/>
-                <a:cs typeface="Century Schoolbook" pitchFamily="18" charset="0"/>
-                <a:sym typeface="Century Schoolbook" pitchFamily="18" charset="0"/>
-              </a:rPr>
-              <a:t> </a:t>
-            </a:r>
-            <a:r>
-              <a:rPr lang="ru-RU" altLang="ru-RU" sz="2400" dirty="0" err="1">
-                <a:latin typeface="Century Schoolbook" pitchFamily="18" charset="0"/>
-                <a:ea typeface="Century Schoolbook" pitchFamily="18" charset="0"/>
-                <a:cs typeface="Century Schoolbook" pitchFamily="18" charset="0"/>
-                <a:sym typeface="Century Schoolbook" pitchFamily="18" charset="0"/>
-              </a:rPr>
-              <a:t>має</a:t>
-            </a:r>
-            <a:r>
-              <a:rPr lang="ru-RU" altLang="ru-RU" sz="2400" dirty="0">
-                <a:latin typeface="Century Schoolbook" pitchFamily="18" charset="0"/>
-                <a:ea typeface="Century Schoolbook" pitchFamily="18" charset="0"/>
-                <a:cs typeface="Century Schoolbook" pitchFamily="18" charset="0"/>
-                <a:sym typeface="Century Schoolbook" pitchFamily="18" charset="0"/>
-              </a:rPr>
-              <a:t> ключ з </a:t>
-            </a:r>
-            <a:r>
-              <a:rPr lang="ru-RU" altLang="ru-RU" sz="2400" dirty="0" err="1">
-                <a:latin typeface="Century Schoolbook" pitchFamily="18" charset="0"/>
-                <a:ea typeface="Century Schoolbook" pitchFamily="18" charset="0"/>
-                <a:cs typeface="Century Schoolbook" pitchFamily="18" charset="0"/>
-                <a:sym typeface="Century Schoolbook" pitchFamily="18" charset="0"/>
-              </a:rPr>
-              <a:t>множини</a:t>
-            </a:r>
-            <a:r>
-              <a:rPr lang="ru-RU" altLang="ru-RU" sz="2400" dirty="0">
-                <a:latin typeface="Century Schoolbook" pitchFamily="18" charset="0"/>
-                <a:ea typeface="Century Schoolbook" pitchFamily="18" charset="0"/>
-                <a:cs typeface="Century Schoolbook" pitchFamily="18" charset="0"/>
-                <a:sym typeface="Century Schoolbook" pitchFamily="18" charset="0"/>
-              </a:rPr>
-              <a:t> U = {0, 1, …, m – 1}, де m не </a:t>
-            </a:r>
-            <a:r>
-              <a:rPr lang="ru-RU" altLang="ru-RU" sz="2400" dirty="0" err="1">
-                <a:latin typeface="Century Schoolbook" pitchFamily="18" charset="0"/>
-                <a:ea typeface="Century Schoolbook" pitchFamily="18" charset="0"/>
-                <a:cs typeface="Century Schoolbook" pitchFamily="18" charset="0"/>
-                <a:sym typeface="Century Schoolbook" pitchFamily="18" charset="0"/>
-              </a:rPr>
-              <a:t>дуже</a:t>
-            </a:r>
-            <a:r>
-              <a:rPr lang="ru-RU" altLang="ru-RU" sz="2400" dirty="0">
-                <a:latin typeface="Century Schoolbook" pitchFamily="18" charset="0"/>
-                <a:ea typeface="Century Schoolbook" pitchFamily="18" charset="0"/>
-                <a:cs typeface="Century Schoolbook" pitchFamily="18" charset="0"/>
-                <a:sym typeface="Century Schoolbook" pitchFamily="18" charset="0"/>
-              </a:rPr>
-              <a:t> </a:t>
-            </a:r>
-            <a:r>
-              <a:rPr lang="ru-RU" altLang="ru-RU" sz="2400" dirty="0" err="1">
-                <a:latin typeface="Century Schoolbook" pitchFamily="18" charset="0"/>
-                <a:ea typeface="Century Schoolbook" pitchFamily="18" charset="0"/>
-                <a:cs typeface="Century Schoolbook" pitchFamily="18" charset="0"/>
-                <a:sym typeface="Century Schoolbook" pitchFamily="18" charset="0"/>
-              </a:rPr>
-              <a:t>велике</a:t>
-            </a:r>
-            <a:r>
-              <a:rPr lang="ru-RU" altLang="ru-RU" sz="2400" dirty="0">
-                <a:latin typeface="Century Schoolbook" pitchFamily="18" charset="0"/>
-                <a:ea typeface="Century Schoolbook" pitchFamily="18" charset="0"/>
-                <a:cs typeface="Century Schoolbook" pitchFamily="18" charset="0"/>
-                <a:sym typeface="Century Schoolbook" pitchFamily="18" charset="0"/>
-              </a:rPr>
-              <a:t>. </a:t>
-            </a:r>
-            <a:r>
-              <a:rPr lang="ru-RU" altLang="ru-RU" sz="2400" dirty="0" err="1">
-                <a:latin typeface="Century Schoolbook" pitchFamily="18" charset="0"/>
-                <a:ea typeface="Century Schoolbook" pitchFamily="18" charset="0"/>
-                <a:cs typeface="Century Schoolbook" pitchFamily="18" charset="0"/>
-                <a:sym typeface="Century Schoolbook" pitchFamily="18" charset="0"/>
-              </a:rPr>
-              <a:t>Крім</a:t>
-            </a:r>
-            <a:r>
-              <a:rPr lang="ru-RU" altLang="ru-RU" sz="2400" dirty="0">
-                <a:latin typeface="Century Schoolbook" pitchFamily="18" charset="0"/>
-                <a:ea typeface="Century Schoolbook" pitchFamily="18" charset="0"/>
-                <a:cs typeface="Century Schoolbook" pitchFamily="18" charset="0"/>
-                <a:sym typeface="Century Schoolbook" pitchFamily="18" charset="0"/>
-              </a:rPr>
-              <a:t> того, </a:t>
-            </a:r>
-            <a:r>
-              <a:rPr lang="ru-RU" altLang="ru-RU" sz="2400" dirty="0" err="1">
-                <a:latin typeface="Century Schoolbook" pitchFamily="18" charset="0"/>
-                <a:ea typeface="Century Schoolbook" pitchFamily="18" charset="0"/>
-                <a:cs typeface="Century Schoolbook" pitchFamily="18" charset="0"/>
-                <a:sym typeface="Century Schoolbook" pitchFamily="18" charset="0"/>
-              </a:rPr>
-              <a:t>припускається</a:t>
-            </a:r>
-            <a:r>
-              <a:rPr lang="ru-RU" altLang="ru-RU" sz="2400" dirty="0">
-                <a:latin typeface="Century Schoolbook" pitchFamily="18" charset="0"/>
-                <a:ea typeface="Century Schoolbook" pitchFamily="18" charset="0"/>
-                <a:cs typeface="Century Schoolbook" pitchFamily="18" charset="0"/>
-                <a:sym typeface="Century Schoolbook" pitchFamily="18" charset="0"/>
-              </a:rPr>
-              <a:t>, </a:t>
-            </a:r>
-            <a:r>
-              <a:rPr lang="ru-RU" altLang="ru-RU" sz="2400" dirty="0" err="1">
-                <a:latin typeface="Century Schoolbook" pitchFamily="18" charset="0"/>
-                <a:ea typeface="Century Schoolbook" pitchFamily="18" charset="0"/>
-                <a:cs typeface="Century Schoolbook" pitchFamily="18" charset="0"/>
-                <a:sym typeface="Century Schoolbook" pitchFamily="18" charset="0"/>
-              </a:rPr>
-              <a:t>що</a:t>
-            </a:r>
-            <a:r>
-              <a:rPr lang="ru-RU" altLang="ru-RU" sz="2400" dirty="0">
-                <a:latin typeface="Century Schoolbook" pitchFamily="18" charset="0"/>
-                <a:ea typeface="Century Schoolbook" pitchFamily="18" charset="0"/>
-                <a:cs typeface="Century Schoolbook" pitchFamily="18" charset="0"/>
-                <a:sym typeface="Century Schoolbook" pitchFamily="18" charset="0"/>
-              </a:rPr>
-              <a:t> </a:t>
-            </a:r>
-            <a:r>
-              <a:rPr lang="ru-RU" altLang="ru-RU" sz="2400" dirty="0" err="1">
-                <a:latin typeface="Century Schoolbook" pitchFamily="18" charset="0"/>
-                <a:ea typeface="Century Schoolbook" pitchFamily="18" charset="0"/>
-                <a:cs typeface="Century Schoolbook" pitchFamily="18" charset="0"/>
-                <a:sym typeface="Century Schoolbook" pitchFamily="18" charset="0"/>
-              </a:rPr>
-              <a:t>жодні</a:t>
-            </a:r>
-            <a:r>
-              <a:rPr lang="ru-RU" altLang="ru-RU" sz="2400" dirty="0">
-                <a:latin typeface="Century Schoolbook" pitchFamily="18" charset="0"/>
-                <a:ea typeface="Century Schoolbook" pitchFamily="18" charset="0"/>
-                <a:cs typeface="Century Schoolbook" pitchFamily="18" charset="0"/>
-                <a:sym typeface="Century Schoolbook" pitchFamily="18" charset="0"/>
-              </a:rPr>
-              <a:t> два </a:t>
-            </a:r>
-            <a:r>
-              <a:rPr lang="ru-RU" altLang="ru-RU" sz="2400" dirty="0" err="1">
-                <a:latin typeface="Century Schoolbook" pitchFamily="18" charset="0"/>
-                <a:ea typeface="Century Schoolbook" pitchFamily="18" charset="0"/>
-                <a:cs typeface="Century Schoolbook" pitchFamily="18" charset="0"/>
-                <a:sym typeface="Century Schoolbook" pitchFamily="18" charset="0"/>
-              </a:rPr>
-              <a:t>елементи</a:t>
-            </a:r>
-            <a:r>
-              <a:rPr lang="ru-RU" altLang="ru-RU" sz="2400" dirty="0">
-                <a:latin typeface="Century Schoolbook" pitchFamily="18" charset="0"/>
-                <a:ea typeface="Century Schoolbook" pitchFamily="18" charset="0"/>
-                <a:cs typeface="Century Schoolbook" pitchFamily="18" charset="0"/>
-                <a:sym typeface="Century Schoolbook" pitchFamily="18" charset="0"/>
-              </a:rPr>
-              <a:t> не </a:t>
-            </a:r>
-            <a:r>
-              <a:rPr lang="ru-RU" altLang="ru-RU" sz="2400" dirty="0" err="1">
-                <a:latin typeface="Century Schoolbook" pitchFamily="18" charset="0"/>
-                <a:ea typeface="Century Schoolbook" pitchFamily="18" charset="0"/>
-                <a:cs typeface="Century Schoolbook" pitchFamily="18" charset="0"/>
-                <a:sym typeface="Century Schoolbook" pitchFamily="18" charset="0"/>
-              </a:rPr>
-              <a:t>мають</a:t>
-            </a:r>
-            <a:r>
-              <a:rPr lang="ru-RU" altLang="ru-RU" sz="2400" dirty="0">
-                <a:latin typeface="Century Schoolbook" pitchFamily="18" charset="0"/>
-                <a:ea typeface="Century Schoolbook" pitchFamily="18" charset="0"/>
-                <a:cs typeface="Century Schoolbook" pitchFamily="18" charset="0"/>
-                <a:sym typeface="Century Schoolbook" pitchFamily="18" charset="0"/>
-              </a:rPr>
-              <a:t> </a:t>
-            </a:r>
-            <a:r>
-              <a:rPr lang="ru-RU" altLang="ru-RU" sz="2400" dirty="0" err="1">
-                <a:latin typeface="Century Schoolbook" pitchFamily="18" charset="0"/>
-                <a:ea typeface="Century Schoolbook" pitchFamily="18" charset="0"/>
-                <a:cs typeface="Century Schoolbook" pitchFamily="18" charset="0"/>
-                <a:sym typeface="Century Schoolbook" pitchFamily="18" charset="0"/>
-              </a:rPr>
-              <a:t>однакових</a:t>
-            </a:r>
-            <a:r>
-              <a:rPr lang="ru-RU" altLang="ru-RU" sz="2400" dirty="0">
-                <a:latin typeface="Century Schoolbook" pitchFamily="18" charset="0"/>
-                <a:ea typeface="Century Schoolbook" pitchFamily="18" charset="0"/>
-                <a:cs typeface="Century Schoolbook" pitchFamily="18" charset="0"/>
-                <a:sym typeface="Century Schoolbook" pitchFamily="18" charset="0"/>
-              </a:rPr>
-              <a:t> </a:t>
-            </a:r>
-            <a:r>
-              <a:rPr lang="ru-RU" altLang="ru-RU" sz="2400" dirty="0" err="1">
-                <a:latin typeface="Century Schoolbook" pitchFamily="18" charset="0"/>
-                <a:ea typeface="Century Schoolbook" pitchFamily="18" charset="0"/>
-                <a:cs typeface="Century Schoolbook" pitchFamily="18" charset="0"/>
-                <a:sym typeface="Century Schoolbook" pitchFamily="18" charset="0"/>
-              </a:rPr>
-              <a:t>ключів</a:t>
-            </a:r>
-            <a:r>
-              <a:rPr lang="ru-RU" altLang="ru-RU" sz="2400" dirty="0">
-                <a:latin typeface="Century Schoolbook" pitchFamily="18" charset="0"/>
-                <a:ea typeface="Century Schoolbook" pitchFamily="18" charset="0"/>
-                <a:cs typeface="Century Schoolbook" pitchFamily="18" charset="0"/>
-                <a:sym typeface="Century Schoolbook" pitchFamily="18" charset="0"/>
-              </a:rPr>
-              <a:t>. </a:t>
-            </a:r>
-          </a:p>
-          <a:p>
-            <a:pPr marL="0" indent="0" defTabSz="914400">
-              <a:spcBef>
-                <a:spcPts val="600"/>
-              </a:spcBef>
-              <a:buClr>
-                <a:srgbClr val="FE8637"/>
-              </a:buClr>
-              <a:buSzPct val="70000"/>
-              <a:buNone/>
-            </a:pPr>
-            <a:r>
-              <a:rPr lang="ru-RU" altLang="ru-RU" sz="2400" dirty="0">
-                <a:latin typeface="Century Schoolbook" pitchFamily="18" charset="0"/>
-                <a:ea typeface="Century Schoolbook" pitchFamily="18" charset="0"/>
-                <a:cs typeface="Century Schoolbook" pitchFamily="18" charset="0"/>
-                <a:sym typeface="Century Schoolbook" pitchFamily="18" charset="0"/>
-              </a:rPr>
-              <a:t>Для </a:t>
-            </a:r>
-            <a:r>
-              <a:rPr lang="ru-RU" altLang="ru-RU" sz="2400" dirty="0" err="1">
-                <a:latin typeface="Century Schoolbook" pitchFamily="18" charset="0"/>
-                <a:ea typeface="Century Schoolbook" pitchFamily="18" charset="0"/>
-                <a:cs typeface="Century Schoolbook" pitchFamily="18" charset="0"/>
-                <a:sym typeface="Century Schoolbook" pitchFamily="18" charset="0"/>
-              </a:rPr>
-              <a:t>представлення</a:t>
-            </a:r>
-            <a:r>
-              <a:rPr lang="ru-RU" altLang="ru-RU" sz="2400" dirty="0">
-                <a:latin typeface="Century Schoolbook" pitchFamily="18" charset="0"/>
-                <a:ea typeface="Century Schoolbook" pitchFamily="18" charset="0"/>
-                <a:cs typeface="Century Schoolbook" pitchFamily="18" charset="0"/>
-                <a:sym typeface="Century Schoolbook" pitchFamily="18" charset="0"/>
-              </a:rPr>
-              <a:t> </a:t>
-            </a:r>
-            <a:r>
-              <a:rPr lang="ru-RU" altLang="ru-RU" sz="2400" dirty="0" err="1">
-                <a:latin typeface="Century Schoolbook" pitchFamily="18" charset="0"/>
-                <a:ea typeface="Century Schoolbook" pitchFamily="18" charset="0"/>
-                <a:cs typeface="Century Schoolbook" pitchFamily="18" charset="0"/>
-                <a:sym typeface="Century Schoolbook" pitchFamily="18" charset="0"/>
-              </a:rPr>
-              <a:t>динамічної</a:t>
-            </a:r>
-            <a:r>
-              <a:rPr lang="ru-RU" altLang="ru-RU" sz="2400" dirty="0">
-                <a:latin typeface="Century Schoolbook" pitchFamily="18" charset="0"/>
-                <a:ea typeface="Century Schoolbook" pitchFamily="18" charset="0"/>
-                <a:cs typeface="Century Schoolbook" pitchFamily="18" charset="0"/>
-                <a:sym typeface="Century Schoolbook" pitchFamily="18" charset="0"/>
-              </a:rPr>
-              <a:t> </a:t>
-            </a:r>
-            <a:r>
-              <a:rPr lang="ru-RU" altLang="ru-RU" sz="2400" dirty="0" err="1">
-                <a:latin typeface="Century Schoolbook" pitchFamily="18" charset="0"/>
-                <a:ea typeface="Century Schoolbook" pitchFamily="18" charset="0"/>
-                <a:cs typeface="Century Schoolbook" pitchFamily="18" charset="0"/>
-                <a:sym typeface="Century Schoolbook" pitchFamily="18" charset="0"/>
-              </a:rPr>
-              <a:t>множини</a:t>
-            </a:r>
-            <a:r>
-              <a:rPr lang="ru-RU" altLang="ru-RU" sz="2400" dirty="0">
-                <a:latin typeface="Century Schoolbook" pitchFamily="18" charset="0"/>
-                <a:ea typeface="Century Schoolbook" pitchFamily="18" charset="0"/>
-                <a:cs typeface="Century Schoolbook" pitchFamily="18" charset="0"/>
-                <a:sym typeface="Century Schoolbook" pitchFamily="18" charset="0"/>
-              </a:rPr>
-              <a:t> </a:t>
-            </a:r>
-            <a:r>
-              <a:rPr lang="ru-RU" altLang="ru-RU" sz="2400" dirty="0" err="1">
-                <a:latin typeface="Century Schoolbook" pitchFamily="18" charset="0"/>
-                <a:ea typeface="Century Schoolbook" pitchFamily="18" charset="0"/>
-                <a:cs typeface="Century Schoolbook" pitchFamily="18" charset="0"/>
-                <a:sym typeface="Century Schoolbook" pitchFamily="18" charset="0"/>
-              </a:rPr>
-              <a:t>використовується</a:t>
-            </a:r>
-            <a:r>
-              <a:rPr lang="ru-RU" altLang="ru-RU" sz="2400" dirty="0">
-                <a:latin typeface="Century Schoolbook" pitchFamily="18" charset="0"/>
-                <a:ea typeface="Century Schoolbook" pitchFamily="18" charset="0"/>
-                <a:cs typeface="Century Schoolbook" pitchFamily="18" charset="0"/>
-                <a:sym typeface="Century Schoolbook" pitchFamily="18" charset="0"/>
-              </a:rPr>
-              <a:t> </a:t>
-            </a:r>
-            <a:r>
-              <a:rPr lang="ru-RU" altLang="ru-RU" sz="2400" dirty="0" err="1">
-                <a:latin typeface="Century Schoolbook" pitchFamily="18" charset="0"/>
-                <a:ea typeface="Century Schoolbook" pitchFamily="18" charset="0"/>
-                <a:cs typeface="Century Schoolbook" pitchFamily="18" charset="0"/>
-                <a:sym typeface="Century Schoolbook" pitchFamily="18" charset="0"/>
-              </a:rPr>
-              <a:t>масив</a:t>
-            </a:r>
-            <a:r>
-              <a:rPr lang="ru-RU" altLang="ru-RU" sz="2400" dirty="0">
-                <a:latin typeface="Century Schoolbook" pitchFamily="18" charset="0"/>
-                <a:ea typeface="Century Schoolbook" pitchFamily="18" charset="0"/>
-                <a:cs typeface="Century Schoolbook" pitchFamily="18" charset="0"/>
-                <a:sym typeface="Century Schoolbook" pitchFamily="18" charset="0"/>
-              </a:rPr>
-              <a:t>, </a:t>
-            </a:r>
-            <a:r>
-              <a:rPr lang="ru-RU" altLang="ru-RU" sz="2400" dirty="0" err="1">
-                <a:latin typeface="Century Schoolbook" pitchFamily="18" charset="0"/>
-                <a:ea typeface="Century Schoolbook" pitchFamily="18" charset="0"/>
-                <a:cs typeface="Century Schoolbook" pitchFamily="18" charset="0"/>
-                <a:sym typeface="Century Schoolbook" pitchFamily="18" charset="0"/>
-              </a:rPr>
-              <a:t>або</a:t>
-            </a:r>
-            <a:r>
-              <a:rPr lang="ru-RU" altLang="ru-RU" sz="2400" dirty="0">
-                <a:latin typeface="Century Schoolbook" pitchFamily="18" charset="0"/>
-                <a:ea typeface="Century Schoolbook" pitchFamily="18" charset="0"/>
-                <a:cs typeface="Century Schoolbook" pitchFamily="18" charset="0"/>
-                <a:sym typeface="Century Schoolbook" pitchFamily="18" charset="0"/>
-              </a:rPr>
-              <a:t> </a:t>
-            </a:r>
-            <a:r>
-              <a:rPr lang="ru-RU" altLang="ru-RU" sz="2400" dirty="0" err="1">
-                <a:latin typeface="Century Schoolbook" pitchFamily="18" charset="0"/>
-                <a:ea typeface="Century Schoolbook" pitchFamily="18" charset="0"/>
-                <a:cs typeface="Century Schoolbook" pitchFamily="18" charset="0"/>
-                <a:sym typeface="Century Schoolbook" pitchFamily="18" charset="0"/>
-              </a:rPr>
-              <a:t>таблиця</a:t>
-            </a:r>
-            <a:r>
-              <a:rPr lang="ru-RU" altLang="ru-RU" sz="2400" dirty="0">
-                <a:latin typeface="Century Schoolbook" pitchFamily="18" charset="0"/>
-                <a:ea typeface="Century Schoolbook" pitchFamily="18" charset="0"/>
-                <a:cs typeface="Century Schoolbook" pitchFamily="18" charset="0"/>
-                <a:sym typeface="Century Schoolbook" pitchFamily="18" charset="0"/>
-              </a:rPr>
-              <a:t> з прямою </a:t>
-            </a:r>
-            <a:r>
-              <a:rPr lang="ru-RU" altLang="ru-RU" sz="2400" dirty="0" err="1">
-                <a:latin typeface="Century Schoolbook" pitchFamily="18" charset="0"/>
-                <a:ea typeface="Century Schoolbook" pitchFamily="18" charset="0"/>
-                <a:cs typeface="Century Schoolbook" pitchFamily="18" charset="0"/>
-                <a:sym typeface="Century Schoolbook" pitchFamily="18" charset="0"/>
-              </a:rPr>
-              <a:t>адресацією</a:t>
-            </a:r>
-            <a:r>
-              <a:rPr lang="ru-RU" altLang="ru-RU" sz="2400" dirty="0">
-                <a:latin typeface="Century Schoolbook" pitchFamily="18" charset="0"/>
-                <a:ea typeface="Century Schoolbook" pitchFamily="18" charset="0"/>
-                <a:cs typeface="Century Schoolbook" pitchFamily="18" charset="0"/>
-                <a:sym typeface="Century Schoolbook" pitchFamily="18" charset="0"/>
-              </a:rPr>
-              <a:t>, </a:t>
-            </a:r>
-            <a:r>
-              <a:rPr lang="ru-RU" altLang="ru-RU" sz="2400" dirty="0" err="1">
-                <a:latin typeface="Century Schoolbook" pitchFamily="18" charset="0"/>
-                <a:ea typeface="Century Schoolbook" pitchFamily="18" charset="0"/>
-                <a:cs typeface="Century Schoolbook" pitchFamily="18" charset="0"/>
-                <a:sym typeface="Century Schoolbook" pitchFamily="18" charset="0"/>
-              </a:rPr>
-              <a:t>який</a:t>
-            </a:r>
-            <a:r>
-              <a:rPr lang="ru-RU" altLang="ru-RU" sz="2400" dirty="0">
-                <a:latin typeface="Century Schoolbook" pitchFamily="18" charset="0"/>
-                <a:ea typeface="Century Schoolbook" pitchFamily="18" charset="0"/>
-                <a:cs typeface="Century Schoolbook" pitchFamily="18" charset="0"/>
-                <a:sym typeface="Century Schoolbook" pitchFamily="18" charset="0"/>
-              </a:rPr>
-              <a:t> </a:t>
-            </a:r>
-            <a:r>
-              <a:rPr lang="ru-RU" altLang="ru-RU" sz="2400" dirty="0" err="1">
-                <a:latin typeface="Century Schoolbook" pitchFamily="18" charset="0"/>
-                <a:ea typeface="Century Schoolbook" pitchFamily="18" charset="0"/>
-                <a:cs typeface="Century Schoolbook" pitchFamily="18" charset="0"/>
-                <a:sym typeface="Century Schoolbook" pitchFamily="18" charset="0"/>
-              </a:rPr>
-              <a:t>позначається</a:t>
-            </a:r>
-            <a:r>
-              <a:rPr lang="ru-RU" altLang="ru-RU" sz="2400" dirty="0">
-                <a:latin typeface="Century Schoolbook" pitchFamily="18" charset="0"/>
-                <a:ea typeface="Century Schoolbook" pitchFamily="18" charset="0"/>
-                <a:cs typeface="Century Schoolbook" pitchFamily="18" charset="0"/>
-                <a:sym typeface="Century Schoolbook" pitchFamily="18" charset="0"/>
-              </a:rPr>
-              <a:t> як T[0… m – 1], </a:t>
-            </a:r>
-            <a:r>
-              <a:rPr lang="ru-RU" altLang="ru-RU" sz="2400" dirty="0" err="1">
-                <a:latin typeface="Century Schoolbook" pitchFamily="18" charset="0"/>
-                <a:ea typeface="Century Schoolbook" pitchFamily="18" charset="0"/>
-                <a:cs typeface="Century Schoolbook" pitchFamily="18" charset="0"/>
-                <a:sym typeface="Century Schoolbook" pitchFamily="18" charset="0"/>
-              </a:rPr>
-              <a:t>кожна</a:t>
-            </a:r>
-            <a:r>
-              <a:rPr lang="ru-RU" altLang="ru-RU" sz="2400" dirty="0">
-                <a:latin typeface="Century Schoolbook" pitchFamily="18" charset="0"/>
-                <a:ea typeface="Century Schoolbook" pitchFamily="18" charset="0"/>
-                <a:cs typeface="Century Schoolbook" pitchFamily="18" charset="0"/>
-                <a:sym typeface="Century Schoolbook" pitchFamily="18" charset="0"/>
-              </a:rPr>
-              <a:t> </a:t>
-            </a:r>
-            <a:r>
-              <a:rPr lang="ru-RU" altLang="ru-RU" sz="2400" dirty="0" err="1">
-                <a:latin typeface="Century Schoolbook" pitchFamily="18" charset="0"/>
-                <a:ea typeface="Century Schoolbook" pitchFamily="18" charset="0"/>
-                <a:cs typeface="Century Schoolbook" pitchFamily="18" charset="0"/>
-                <a:sym typeface="Century Schoolbook" pitchFamily="18" charset="0"/>
-              </a:rPr>
-              <a:t>позиція</a:t>
-            </a:r>
-            <a:r>
-              <a:rPr lang="ru-RU" altLang="ru-RU" sz="2400" dirty="0">
-                <a:latin typeface="Century Schoolbook" pitchFamily="18" charset="0"/>
-                <a:ea typeface="Century Schoolbook" pitchFamily="18" charset="0"/>
-                <a:cs typeface="Century Schoolbook" pitchFamily="18" charset="0"/>
-                <a:sym typeface="Century Schoolbook" pitchFamily="18" charset="0"/>
-              </a:rPr>
-              <a:t>, </a:t>
-            </a:r>
-            <a:r>
-              <a:rPr lang="ru-RU" altLang="ru-RU" sz="2400" dirty="0" err="1">
-                <a:latin typeface="Century Schoolbook" pitchFamily="18" charset="0"/>
-                <a:ea typeface="Century Schoolbook" pitchFamily="18" charset="0"/>
-                <a:cs typeface="Century Schoolbook" pitchFamily="18" charset="0"/>
-                <a:sym typeface="Century Schoolbook" pitchFamily="18" charset="0"/>
-              </a:rPr>
-              <a:t>або</a:t>
-            </a:r>
-            <a:r>
-              <a:rPr lang="ru-RU" altLang="ru-RU" sz="2400" dirty="0">
-                <a:latin typeface="Century Schoolbook" pitchFamily="18" charset="0"/>
-                <a:ea typeface="Century Schoolbook" pitchFamily="18" charset="0"/>
-                <a:cs typeface="Century Schoolbook" pitchFamily="18" charset="0"/>
-                <a:sym typeface="Century Schoolbook" pitchFamily="18" charset="0"/>
-              </a:rPr>
-              <a:t> </a:t>
-            </a:r>
-            <a:r>
-              <a:rPr lang="ru-RU" altLang="ru-RU" sz="2400" dirty="0" err="1">
-                <a:latin typeface="Century Schoolbook" pitchFamily="18" charset="0"/>
-                <a:ea typeface="Century Schoolbook" pitchFamily="18" charset="0"/>
-                <a:cs typeface="Century Schoolbook" pitchFamily="18" charset="0"/>
-                <a:sym typeface="Century Schoolbook" pitchFamily="18" charset="0"/>
-              </a:rPr>
-              <a:t>комірка</a:t>
-            </a:r>
-            <a:r>
-              <a:rPr lang="ru-RU" altLang="ru-RU" sz="2400" dirty="0">
-                <a:latin typeface="Century Schoolbook" pitchFamily="18" charset="0"/>
-                <a:ea typeface="Century Schoolbook" pitchFamily="18" charset="0"/>
-                <a:cs typeface="Century Schoolbook" pitchFamily="18" charset="0"/>
-                <a:sym typeface="Century Schoolbook" pitchFamily="18" charset="0"/>
-              </a:rPr>
-              <a:t>, </a:t>
-            </a:r>
-            <a:r>
-              <a:rPr lang="ru-RU" altLang="ru-RU" sz="2400" dirty="0" err="1">
-                <a:latin typeface="Century Schoolbook" pitchFamily="18" charset="0"/>
-                <a:ea typeface="Century Schoolbook" pitchFamily="18" charset="0"/>
-                <a:cs typeface="Century Schoolbook" pitchFamily="18" charset="0"/>
-                <a:sym typeface="Century Schoolbook" pitchFamily="18" charset="0"/>
-              </a:rPr>
-              <a:t>якого</a:t>
-            </a:r>
-            <a:r>
-              <a:rPr lang="ru-RU" altLang="ru-RU" sz="2400" dirty="0">
-                <a:latin typeface="Century Schoolbook" pitchFamily="18" charset="0"/>
-                <a:ea typeface="Century Schoolbook" pitchFamily="18" charset="0"/>
-                <a:cs typeface="Century Schoolbook" pitchFamily="18" charset="0"/>
-                <a:sym typeface="Century Schoolbook" pitchFamily="18" charset="0"/>
-              </a:rPr>
-              <a:t> </a:t>
-            </a:r>
-            <a:r>
-              <a:rPr lang="ru-RU" altLang="ru-RU" sz="2400" dirty="0" err="1">
-                <a:latin typeface="Century Schoolbook" pitchFamily="18" charset="0"/>
-                <a:ea typeface="Century Schoolbook" pitchFamily="18" charset="0"/>
-                <a:cs typeface="Century Schoolbook" pitchFamily="18" charset="0"/>
-                <a:sym typeface="Century Schoolbook" pitchFamily="18" charset="0"/>
-              </a:rPr>
-              <a:t>відповідає</a:t>
-            </a:r>
-            <a:r>
-              <a:rPr lang="ru-RU" altLang="ru-RU" sz="2400" dirty="0">
-                <a:latin typeface="Century Schoolbook" pitchFamily="18" charset="0"/>
-                <a:ea typeface="Century Schoolbook" pitchFamily="18" charset="0"/>
-                <a:cs typeface="Century Schoolbook" pitchFamily="18" charset="0"/>
-                <a:sym typeface="Century Schoolbook" pitchFamily="18" charset="0"/>
-              </a:rPr>
-              <a:t> ключу з простору </a:t>
-            </a:r>
-            <a:r>
-              <a:rPr lang="ru-RU" altLang="ru-RU" sz="2400" dirty="0" err="1">
-                <a:latin typeface="Century Schoolbook" pitchFamily="18" charset="0"/>
-                <a:ea typeface="Century Schoolbook" pitchFamily="18" charset="0"/>
-                <a:cs typeface="Century Schoolbook" pitchFamily="18" charset="0"/>
-                <a:sym typeface="Century Schoolbook" pitchFamily="18" charset="0"/>
-              </a:rPr>
-              <a:t>ключів</a:t>
-            </a:r>
-            <a:r>
-              <a:rPr lang="ru-RU" altLang="ru-RU" sz="2400" dirty="0">
-                <a:latin typeface="Century Schoolbook" pitchFamily="18" charset="0"/>
-                <a:ea typeface="Century Schoolbook" pitchFamily="18" charset="0"/>
-                <a:cs typeface="Century Schoolbook" pitchFamily="18" charset="0"/>
-                <a:sym typeface="Century Schoolbook" pitchFamily="18" charset="0"/>
-              </a:rPr>
-              <a:t> U.</a:t>
-            </a:r>
             <a:endParaRPr lang="ru-RU" altLang="ru-RU" dirty="0"/>
           </a:p>
         </p:txBody>
@@ -18022,7 +18032,6 @@
             </a:pPr>
             <a:r>
               <a:rPr lang="ru-RU" altLang="ru-RU" sz="2400" dirty="0" err="1">
-                <a:latin typeface="Century Schoolbook" pitchFamily="18" charset="0"/>
                 <a:ea typeface="Century Schoolbook" pitchFamily="18" charset="0"/>
                 <a:cs typeface="Century Schoolbook" pitchFamily="18" charset="0"/>
                 <a:sym typeface="Century Schoolbook" pitchFamily="18" charset="0"/>
@@ -18031,7 +18040,6 @@
             </a:r>
             <a:r>
               <a:rPr lang="ru-RU" altLang="ru-RU" sz="2400" dirty="0">
-                <a:latin typeface="Century Schoolbook" pitchFamily="18" charset="0"/>
                 <a:ea typeface="Century Schoolbook" pitchFamily="18" charset="0"/>
                 <a:cs typeface="Century Schoolbook" pitchFamily="18" charset="0"/>
                 <a:sym typeface="Century Schoolbook" pitchFamily="18" charset="0"/>
@@ -18040,7 +18048,6 @@
             </a:r>
             <a:r>
               <a:rPr lang="ru-RU" altLang="ru-RU" sz="2400" dirty="0" err="1">
-                <a:latin typeface="Century Schoolbook" pitchFamily="18" charset="0"/>
                 <a:ea typeface="Century Schoolbook" pitchFamily="18" charset="0"/>
                 <a:cs typeface="Century Schoolbook" pitchFamily="18" charset="0"/>
                 <a:sym typeface="Century Schoolbook" pitchFamily="18" charset="0"/>
@@ -18049,7 +18056,6 @@
             </a:r>
             <a:r>
               <a:rPr lang="ru-RU" altLang="ru-RU" sz="2400" dirty="0">
-                <a:latin typeface="Century Schoolbook" pitchFamily="18" charset="0"/>
                 <a:ea typeface="Century Schoolbook" pitchFamily="18" charset="0"/>
                 <a:cs typeface="Century Schoolbook" pitchFamily="18" charset="0"/>
                 <a:sym typeface="Century Schoolbook" pitchFamily="18" charset="0"/>
@@ -18058,7 +18064,6 @@
             </a:r>
             <a:r>
               <a:rPr lang="ru-RU" altLang="ru-RU" sz="2400" dirty="0" err="1">
-                <a:latin typeface="Century Schoolbook" pitchFamily="18" charset="0"/>
                 <a:ea typeface="Century Schoolbook" pitchFamily="18" charset="0"/>
                 <a:cs typeface="Century Schoolbook" pitchFamily="18" charset="0"/>
                 <a:sym typeface="Century Schoolbook" pitchFamily="18" charset="0"/>
@@ -18067,16 +18072,14 @@
             </a:r>
             <a:r>
               <a:rPr lang="ru-RU" altLang="ru-RU" sz="2400" dirty="0">
-                <a:latin typeface="Century Schoolbook" pitchFamily="18" charset="0"/>
-                <a:ea typeface="Century Schoolbook" pitchFamily="18" charset="0"/>
-                <a:cs typeface="Century Schoolbook" pitchFamily="18" charset="0"/>
-                <a:sym typeface="Century Schoolbook" pitchFamily="18" charset="0"/>
-              </a:rPr>
-              <a:t> </a:t>
-            </a:r>
-            <a:r>
-              <a:rPr lang="ru-RU" altLang="ru-RU" sz="2400" dirty="0" err="1">
-                <a:latin typeface="Century Schoolbook" pitchFamily="18" charset="0"/>
+                <a:ea typeface="Century Schoolbook" pitchFamily="18" charset="0"/>
+                <a:cs typeface="Century Schoolbook" pitchFamily="18" charset="0"/>
+                <a:sym typeface="Century Schoolbook" pitchFamily="18" charset="0"/>
+              </a:rPr>
+              <a:t> </a:t>
+            </a:r>
+            <a:r>
+              <a:rPr lang="ru-RU" altLang="ru-RU" sz="2400" dirty="0" err="1">
                 <a:ea typeface="Century Schoolbook" pitchFamily="18" charset="0"/>
                 <a:cs typeface="Century Schoolbook" pitchFamily="18" charset="0"/>
                 <a:sym typeface="Century Schoolbook" pitchFamily="18" charset="0"/>
@@ -18085,7 +18088,6 @@
             </a:r>
             <a:r>
               <a:rPr lang="ru-RU" altLang="ru-RU" sz="2400" dirty="0">
-                <a:latin typeface="Century Schoolbook" pitchFamily="18" charset="0"/>
                 <a:ea typeface="Century Schoolbook" pitchFamily="18" charset="0"/>
                 <a:cs typeface="Century Schoolbook" pitchFamily="18" charset="0"/>
                 <a:sym typeface="Century Schoolbook" pitchFamily="18" charset="0"/>
@@ -18094,7 +18096,6 @@
             </a:r>
             <a:r>
               <a:rPr lang="ru-RU" altLang="ru-RU" sz="2400" dirty="0" err="1">
-                <a:latin typeface="Century Schoolbook" pitchFamily="18" charset="0"/>
                 <a:ea typeface="Century Schoolbook" pitchFamily="18" charset="0"/>
                 <a:cs typeface="Century Schoolbook" pitchFamily="18" charset="0"/>
                 <a:sym typeface="Century Schoolbook" pitchFamily="18" charset="0"/>
@@ -18103,7 +18104,6 @@
             </a:r>
             <a:r>
               <a:rPr lang="ru-RU" altLang="ru-RU" sz="2400" dirty="0">
-                <a:latin typeface="Century Schoolbook" pitchFamily="18" charset="0"/>
                 <a:ea typeface="Century Schoolbook" pitchFamily="18" charset="0"/>
                 <a:cs typeface="Century Schoolbook" pitchFamily="18" charset="0"/>
                 <a:sym typeface="Century Schoolbook" pitchFamily="18" charset="0"/>
@@ -18112,7 +18112,6 @@
             </a:r>
             <a:r>
               <a:rPr lang="ru-RU" altLang="ru-RU" sz="2400" dirty="0" err="1">
-                <a:latin typeface="Century Schoolbook" pitchFamily="18" charset="0"/>
                 <a:ea typeface="Century Schoolbook" pitchFamily="18" charset="0"/>
                 <a:cs typeface="Century Schoolbook" pitchFamily="18" charset="0"/>
                 <a:sym typeface="Century Schoolbook" pitchFamily="18" charset="0"/>
@@ -18121,16 +18120,14 @@
             </a:r>
             <a:r>
               <a:rPr lang="ru-RU" altLang="ru-RU" sz="2400" dirty="0">
-                <a:latin typeface="Century Schoolbook" pitchFamily="18" charset="0"/>
-                <a:ea typeface="Century Schoolbook" pitchFamily="18" charset="0"/>
-                <a:cs typeface="Century Schoolbook" pitchFamily="18" charset="0"/>
-                <a:sym typeface="Century Schoolbook" pitchFamily="18" charset="0"/>
-              </a:rPr>
-              <a:t> </a:t>
-            </a:r>
-            <a:r>
-              <a:rPr lang="ru-RU" altLang="ru-RU" sz="2400" dirty="0" err="1">
-                <a:latin typeface="Century Schoolbook" pitchFamily="18" charset="0"/>
+                <a:ea typeface="Century Schoolbook" pitchFamily="18" charset="0"/>
+                <a:cs typeface="Century Schoolbook" pitchFamily="18" charset="0"/>
+                <a:sym typeface="Century Schoolbook" pitchFamily="18" charset="0"/>
+              </a:rPr>
+              <a:t> </a:t>
+            </a:r>
+            <a:r>
+              <a:rPr lang="ru-RU" altLang="ru-RU" sz="2400" dirty="0" err="1">
                 <a:ea typeface="Century Schoolbook" pitchFamily="18" charset="0"/>
                 <a:cs typeface="Century Schoolbook" pitchFamily="18" charset="0"/>
                 <a:sym typeface="Century Schoolbook" pitchFamily="18" charset="0"/>
@@ -18139,7 +18136,6 @@
             </a:r>
             <a:r>
               <a:rPr lang="ru-RU" altLang="ru-RU" sz="2400" dirty="0">
-                <a:latin typeface="Century Schoolbook" pitchFamily="18" charset="0"/>
                 <a:ea typeface="Century Schoolbook" pitchFamily="18" charset="0"/>
                 <a:cs typeface="Century Schoolbook" pitchFamily="18" charset="0"/>
                 <a:sym typeface="Century Schoolbook" pitchFamily="18" charset="0"/>
@@ -18148,7 +18144,6 @@
             </a:r>
             <a:r>
               <a:rPr lang="ru-RU" altLang="ru-RU" sz="2400" dirty="0" err="1">
-                <a:latin typeface="Century Schoolbook" pitchFamily="18" charset="0"/>
                 <a:ea typeface="Century Schoolbook" pitchFamily="18" charset="0"/>
                 <a:cs typeface="Century Schoolbook" pitchFamily="18" charset="0"/>
                 <a:sym typeface="Century Schoolbook" pitchFamily="18" charset="0"/>
@@ -18157,16 +18152,14 @@
             </a:r>
             <a:r>
               <a:rPr lang="ru-RU" altLang="ru-RU" sz="2400" dirty="0">
-                <a:latin typeface="Century Schoolbook" pitchFamily="18" charset="0"/>
-                <a:ea typeface="Century Schoolbook" pitchFamily="18" charset="0"/>
-                <a:cs typeface="Century Schoolbook" pitchFamily="18" charset="0"/>
-                <a:sym typeface="Century Schoolbook" pitchFamily="18" charset="0"/>
-              </a:rPr>
-              <a:t> </a:t>
-            </a:r>
-            <a:r>
-              <a:rPr lang="ru-RU" altLang="ru-RU" sz="2400" dirty="0" err="1">
-                <a:latin typeface="Century Schoolbook" pitchFamily="18" charset="0"/>
+                <a:ea typeface="Century Schoolbook" pitchFamily="18" charset="0"/>
+                <a:cs typeface="Century Schoolbook" pitchFamily="18" charset="0"/>
+                <a:sym typeface="Century Schoolbook" pitchFamily="18" charset="0"/>
+              </a:rPr>
+              <a:t> </a:t>
+            </a:r>
+            <a:r>
+              <a:rPr lang="ru-RU" altLang="ru-RU" sz="2400" dirty="0" err="1">
                 <a:ea typeface="Century Schoolbook" pitchFamily="18" charset="0"/>
                 <a:cs typeface="Century Schoolbook" pitchFamily="18" charset="0"/>
                 <a:sym typeface="Century Schoolbook" pitchFamily="18" charset="0"/>
@@ -18175,7 +18168,6 @@
             </a:r>
             <a:r>
               <a:rPr lang="ru-RU" altLang="ru-RU" sz="2400" dirty="0">
-                <a:latin typeface="Century Schoolbook" pitchFamily="18" charset="0"/>
                 <a:ea typeface="Century Schoolbook" pitchFamily="18" charset="0"/>
                 <a:cs typeface="Century Schoolbook" pitchFamily="18" charset="0"/>
                 <a:sym typeface="Century Schoolbook" pitchFamily="18" charset="0"/>
@@ -18184,7 +18176,6 @@
             </a:r>
             <a:r>
               <a:rPr lang="ru-RU" altLang="ru-RU" sz="2400" dirty="0" err="1">
-                <a:latin typeface="Century Schoolbook" pitchFamily="18" charset="0"/>
                 <a:ea typeface="Century Schoolbook" pitchFamily="18" charset="0"/>
                 <a:cs typeface="Century Schoolbook" pitchFamily="18" charset="0"/>
                 <a:sym typeface="Century Schoolbook" pitchFamily="18" charset="0"/>
@@ -18193,7 +18184,6 @@
             </a:r>
             <a:r>
               <a:rPr lang="ru-RU" altLang="ru-RU" sz="2400" dirty="0">
-                <a:latin typeface="Century Schoolbook" pitchFamily="18" charset="0"/>
                 <a:ea typeface="Century Schoolbook" pitchFamily="18" charset="0"/>
                 <a:cs typeface="Century Schoolbook" pitchFamily="18" charset="0"/>
                 <a:sym typeface="Century Schoolbook" pitchFamily="18" charset="0"/>
@@ -18202,7 +18192,6 @@
             </a:r>
             <a:r>
               <a:rPr lang="ru-RU" altLang="ru-RU" sz="2400" dirty="0" smtClean="0">
-                <a:latin typeface="Century Schoolbook" pitchFamily="18" charset="0"/>
                 <a:ea typeface="Century Schoolbook" pitchFamily="18" charset="0"/>
                 <a:cs typeface="Century Schoolbook" pitchFamily="18" charset="0"/>
                 <a:sym typeface="Century Schoolbook" pitchFamily="18" charset="0"/>
@@ -18211,7 +18200,6 @@
             </a:r>
             <a:r>
               <a:rPr lang="en-US" altLang="ru-RU" sz="2400" dirty="0" smtClean="0">
-                <a:latin typeface="Century Schoolbook" pitchFamily="18" charset="0"/>
                 <a:ea typeface="Century Schoolbook" pitchFamily="18" charset="0"/>
                 <a:cs typeface="Century Schoolbook" pitchFamily="18" charset="0"/>
                 <a:sym typeface="Century Schoolbook" pitchFamily="18" charset="0"/>
@@ -18220,7 +18208,6 @@
             </a:r>
             <a:r>
               <a:rPr lang="ru-RU" altLang="ru-RU" sz="2400" dirty="0" smtClean="0">
-                <a:latin typeface="Century Schoolbook" pitchFamily="18" charset="0"/>
                 <a:ea typeface="Century Schoolbook" pitchFamily="18" charset="0"/>
                 <a:cs typeface="Century Schoolbook" pitchFamily="18" charset="0"/>
                 <a:sym typeface="Century Schoolbook" pitchFamily="18" charset="0"/>
@@ -18229,7 +18216,6 @@
             </a:r>
             <a:r>
               <a:rPr lang="ru-RU" altLang="ru-RU" sz="2400" dirty="0">
-                <a:latin typeface="Century Schoolbook" pitchFamily="18" charset="0"/>
                 <a:ea typeface="Century Schoolbook" pitchFamily="18" charset="0"/>
                 <a:cs typeface="Century Schoolbook" pitchFamily="18" charset="0"/>
                 <a:sym typeface="Century Schoolbook" pitchFamily="18" charset="0"/>
@@ -18238,7 +18224,6 @@
             </a:r>
             <a:r>
               <a:rPr lang="ru-RU" altLang="ru-RU" sz="2400" dirty="0" err="1">
-                <a:latin typeface="Century Schoolbook" pitchFamily="18" charset="0"/>
                 <a:ea typeface="Century Schoolbook" pitchFamily="18" charset="0"/>
                 <a:cs typeface="Century Schoolbook" pitchFamily="18" charset="0"/>
                 <a:sym typeface="Century Schoolbook" pitchFamily="18" charset="0"/>
@@ -18247,7 +18232,6 @@
             </a:r>
             <a:r>
               <a:rPr lang="ru-RU" altLang="ru-RU" sz="2400" dirty="0">
-                <a:latin typeface="Century Schoolbook" pitchFamily="18" charset="0"/>
                 <a:ea typeface="Century Schoolbook" pitchFamily="18" charset="0"/>
                 <a:cs typeface="Century Schoolbook" pitchFamily="18" charset="0"/>
                 <a:sym typeface="Century Schoolbook" pitchFamily="18" charset="0"/>
@@ -18256,7 +18240,6 @@
             </a:r>
             <a:r>
               <a:rPr lang="ru-RU" altLang="ru-RU" sz="2400" dirty="0" err="1">
-                <a:latin typeface="Century Schoolbook" pitchFamily="18" charset="0"/>
                 <a:ea typeface="Century Schoolbook" pitchFamily="18" charset="0"/>
                 <a:cs typeface="Century Schoolbook" pitchFamily="18" charset="0"/>
                 <a:sym typeface="Century Schoolbook" pitchFamily="18" charset="0"/>
@@ -18265,16 +18248,14 @@
             </a:r>
             <a:r>
               <a:rPr lang="ru-RU" altLang="ru-RU" sz="2400" dirty="0">
-                <a:latin typeface="Century Schoolbook" pitchFamily="18" charset="0"/>
-                <a:ea typeface="Century Schoolbook" pitchFamily="18" charset="0"/>
-                <a:cs typeface="Century Schoolbook" pitchFamily="18" charset="0"/>
-                <a:sym typeface="Century Schoolbook" pitchFamily="18" charset="0"/>
-              </a:rPr>
-              <a:t> </a:t>
-            </a:r>
-            <a:r>
-              <a:rPr lang="ru-RU" altLang="ru-RU" sz="2400" dirty="0" err="1">
-                <a:latin typeface="Century Schoolbook" pitchFamily="18" charset="0"/>
+                <a:ea typeface="Century Schoolbook" pitchFamily="18" charset="0"/>
+                <a:cs typeface="Century Schoolbook" pitchFamily="18" charset="0"/>
+                <a:sym typeface="Century Schoolbook" pitchFamily="18" charset="0"/>
+              </a:rPr>
+              <a:t> </a:t>
+            </a:r>
+            <a:r>
+              <a:rPr lang="ru-RU" altLang="ru-RU" sz="2400" dirty="0" err="1">
                 <a:ea typeface="Century Schoolbook" pitchFamily="18" charset="0"/>
                 <a:cs typeface="Century Schoolbook" pitchFamily="18" charset="0"/>
                 <a:sym typeface="Century Schoolbook" pitchFamily="18" charset="0"/>
@@ -18283,16 +18264,14 @@
             </a:r>
             <a:r>
               <a:rPr lang="ru-RU" altLang="ru-RU" sz="2400" dirty="0">
-                <a:latin typeface="Century Schoolbook" pitchFamily="18" charset="0"/>
-                <a:ea typeface="Century Schoolbook" pitchFamily="18" charset="0"/>
-                <a:cs typeface="Century Schoolbook" pitchFamily="18" charset="0"/>
-                <a:sym typeface="Century Schoolbook" pitchFamily="18" charset="0"/>
-              </a:rPr>
-              <a:t> </a:t>
-            </a:r>
-            <a:r>
-              <a:rPr lang="ru-RU" altLang="ru-RU" sz="2400" dirty="0" err="1">
-                <a:latin typeface="Century Schoolbook" pitchFamily="18" charset="0"/>
+                <a:ea typeface="Century Schoolbook" pitchFamily="18" charset="0"/>
+                <a:cs typeface="Century Schoolbook" pitchFamily="18" charset="0"/>
+                <a:sym typeface="Century Schoolbook" pitchFamily="18" charset="0"/>
+              </a:rPr>
+              <a:t> </a:t>
+            </a:r>
+            <a:r>
+              <a:rPr lang="ru-RU" altLang="ru-RU" sz="2400" dirty="0" err="1">
                 <a:ea typeface="Century Schoolbook" pitchFamily="18" charset="0"/>
                 <a:cs typeface="Century Schoolbook" pitchFamily="18" charset="0"/>
                 <a:sym typeface="Century Schoolbook" pitchFamily="18" charset="0"/>
@@ -18301,7 +18280,6 @@
             </a:r>
             <a:r>
               <a:rPr lang="ru-RU" altLang="ru-RU" sz="2400" dirty="0">
-                <a:latin typeface="Century Schoolbook" pitchFamily="18" charset="0"/>
                 <a:ea typeface="Century Schoolbook" pitchFamily="18" charset="0"/>
                 <a:cs typeface="Century Schoolbook" pitchFamily="18" charset="0"/>
                 <a:sym typeface="Century Schoolbook" pitchFamily="18" charset="0"/>
@@ -18310,7 +18288,6 @@
             </a:r>
             <a:r>
               <a:rPr lang="ru-RU" altLang="ru-RU" sz="2400" dirty="0" err="1">
-                <a:latin typeface="Century Schoolbook" pitchFamily="18" charset="0"/>
                 <a:ea typeface="Century Schoolbook" pitchFamily="18" charset="0"/>
                 <a:cs typeface="Century Schoolbook" pitchFamily="18" charset="0"/>
                 <a:sym typeface="Century Schoolbook" pitchFamily="18" charset="0"/>
@@ -18319,16 +18296,14 @@
             </a:r>
             <a:r>
               <a:rPr lang="ru-RU" altLang="ru-RU" sz="2400" dirty="0">
-                <a:latin typeface="Century Schoolbook" pitchFamily="18" charset="0"/>
-                <a:ea typeface="Century Schoolbook" pitchFamily="18" charset="0"/>
-                <a:cs typeface="Century Schoolbook" pitchFamily="18" charset="0"/>
-                <a:sym typeface="Century Schoolbook" pitchFamily="18" charset="0"/>
-              </a:rPr>
-              <a:t> </a:t>
-            </a:r>
-            <a:r>
-              <a:rPr lang="ru-RU" altLang="ru-RU" sz="2400" dirty="0" err="1">
-                <a:latin typeface="Century Schoolbook" pitchFamily="18" charset="0"/>
+                <a:ea typeface="Century Schoolbook" pitchFamily="18" charset="0"/>
+                <a:cs typeface="Century Schoolbook" pitchFamily="18" charset="0"/>
+                <a:sym typeface="Century Schoolbook" pitchFamily="18" charset="0"/>
+              </a:rPr>
+              <a:t> </a:t>
+            </a:r>
+            <a:r>
+              <a:rPr lang="ru-RU" altLang="ru-RU" sz="2400" dirty="0" err="1">
                 <a:ea typeface="Century Schoolbook" pitchFamily="18" charset="0"/>
                 <a:cs typeface="Century Schoolbook" pitchFamily="18" charset="0"/>
                 <a:sym typeface="Century Schoolbook" pitchFamily="18" charset="0"/>
@@ -18337,16 +18312,14 @@
             </a:r>
             <a:r>
               <a:rPr lang="ru-RU" altLang="ru-RU" sz="2400" dirty="0">
-                <a:latin typeface="Century Schoolbook" pitchFamily="18" charset="0"/>
-                <a:ea typeface="Century Schoolbook" pitchFamily="18" charset="0"/>
-                <a:cs typeface="Century Schoolbook" pitchFamily="18" charset="0"/>
-                <a:sym typeface="Century Schoolbook" pitchFamily="18" charset="0"/>
-              </a:rPr>
-              <a:t> </a:t>
-            </a:r>
-            <a:r>
-              <a:rPr lang="ru-RU" altLang="ru-RU" sz="2400" dirty="0" err="1">
-                <a:latin typeface="Century Schoolbook" pitchFamily="18" charset="0"/>
+                <a:ea typeface="Century Schoolbook" pitchFamily="18" charset="0"/>
+                <a:cs typeface="Century Schoolbook" pitchFamily="18" charset="0"/>
+                <a:sym typeface="Century Schoolbook" pitchFamily="18" charset="0"/>
+              </a:rPr>
+              <a:t> </a:t>
+            </a:r>
+            <a:r>
+              <a:rPr lang="ru-RU" altLang="ru-RU" sz="2400" dirty="0" err="1">
                 <a:ea typeface="Century Schoolbook" pitchFamily="18" charset="0"/>
                 <a:cs typeface="Century Schoolbook" pitchFamily="18" charset="0"/>
                 <a:sym typeface="Century Schoolbook" pitchFamily="18" charset="0"/>
@@ -18355,7 +18328,6 @@
             </a:r>
             <a:r>
               <a:rPr lang="ru-RU" altLang="ru-RU" sz="2400" dirty="0">
-                <a:latin typeface="Century Schoolbook" pitchFamily="18" charset="0"/>
                 <a:ea typeface="Century Schoolbook" pitchFamily="18" charset="0"/>
                 <a:cs typeface="Century Schoolbook" pitchFamily="18" charset="0"/>
                 <a:sym typeface="Century Schoolbook" pitchFamily="18" charset="0"/>
@@ -18364,7 +18336,6 @@
             </a:r>
             <a:r>
               <a:rPr lang="ru-RU" altLang="ru-RU" sz="2400" dirty="0" err="1">
-                <a:latin typeface="Century Schoolbook" pitchFamily="18" charset="0"/>
                 <a:ea typeface="Century Schoolbook" pitchFamily="18" charset="0"/>
                 <a:cs typeface="Century Schoolbook" pitchFamily="18" charset="0"/>
                 <a:sym typeface="Century Schoolbook" pitchFamily="18" charset="0"/>
@@ -18373,16 +18344,14 @@
             </a:r>
             <a:r>
               <a:rPr lang="ru-RU" altLang="ru-RU" sz="2400" dirty="0">
-                <a:latin typeface="Century Schoolbook" pitchFamily="18" charset="0"/>
-                <a:ea typeface="Century Schoolbook" pitchFamily="18" charset="0"/>
-                <a:cs typeface="Century Schoolbook" pitchFamily="18" charset="0"/>
-                <a:sym typeface="Century Schoolbook" pitchFamily="18" charset="0"/>
-              </a:rPr>
-              <a:t> </a:t>
-            </a:r>
-            <a:r>
-              <a:rPr lang="ru-RU" altLang="ru-RU" sz="2400" dirty="0" err="1">
-                <a:latin typeface="Century Schoolbook" pitchFamily="18" charset="0"/>
+                <a:ea typeface="Century Schoolbook" pitchFamily="18" charset="0"/>
+                <a:cs typeface="Century Schoolbook" pitchFamily="18" charset="0"/>
+                <a:sym typeface="Century Schoolbook" pitchFamily="18" charset="0"/>
+              </a:rPr>
+              <a:t> </a:t>
+            </a:r>
+            <a:r>
+              <a:rPr lang="ru-RU" altLang="ru-RU" sz="2400" dirty="0" err="1">
                 <a:ea typeface="Century Schoolbook" pitchFamily="18" charset="0"/>
                 <a:cs typeface="Century Schoolbook" pitchFamily="18" charset="0"/>
                 <a:sym typeface="Century Schoolbook" pitchFamily="18" charset="0"/>
@@ -18391,16 +18360,14 @@
             </a:r>
             <a:r>
               <a:rPr lang="ru-RU" altLang="ru-RU" sz="2400" dirty="0">
-                <a:latin typeface="Century Schoolbook" pitchFamily="18" charset="0"/>
-                <a:ea typeface="Century Schoolbook" pitchFamily="18" charset="0"/>
-                <a:cs typeface="Century Schoolbook" pitchFamily="18" charset="0"/>
-                <a:sym typeface="Century Schoolbook" pitchFamily="18" charset="0"/>
-              </a:rPr>
-              <a:t> </a:t>
-            </a:r>
-            <a:r>
-              <a:rPr lang="ru-RU" altLang="ru-RU" sz="2400" dirty="0" err="1">
-                <a:latin typeface="Century Schoolbook" pitchFamily="18" charset="0"/>
+                <a:ea typeface="Century Schoolbook" pitchFamily="18" charset="0"/>
+                <a:cs typeface="Century Schoolbook" pitchFamily="18" charset="0"/>
+                <a:sym typeface="Century Schoolbook" pitchFamily="18" charset="0"/>
+              </a:rPr>
+              <a:t> </a:t>
+            </a:r>
+            <a:r>
+              <a:rPr lang="ru-RU" altLang="ru-RU" sz="2400" dirty="0" err="1">
                 <a:ea typeface="Century Schoolbook" pitchFamily="18" charset="0"/>
                 <a:cs typeface="Century Schoolbook" pitchFamily="18" charset="0"/>
                 <a:sym typeface="Century Schoolbook" pitchFamily="18" charset="0"/>
@@ -18409,7 +18376,6 @@
             </a:r>
             <a:r>
               <a:rPr lang="ru-RU" altLang="ru-RU" sz="2400" dirty="0">
-                <a:latin typeface="Century Schoolbook" pitchFamily="18" charset="0"/>
                 <a:ea typeface="Century Schoolbook" pitchFamily="18" charset="0"/>
                 <a:cs typeface="Century Schoolbook" pitchFamily="18" charset="0"/>
                 <a:sym typeface="Century Schoolbook" pitchFamily="18" charset="0"/>
@@ -18418,7 +18384,6 @@
             </a:r>
             <a:r>
               <a:rPr lang="ru-RU" altLang="ru-RU" sz="2400" dirty="0" err="1">
-                <a:latin typeface="Century Schoolbook" pitchFamily="18" charset="0"/>
                 <a:ea typeface="Century Schoolbook" pitchFamily="18" charset="0"/>
                 <a:cs typeface="Century Schoolbook" pitchFamily="18" charset="0"/>
                 <a:sym typeface="Century Schoolbook" pitchFamily="18" charset="0"/>
@@ -18427,16 +18392,14 @@
             </a:r>
             <a:r>
               <a:rPr lang="ru-RU" altLang="ru-RU" sz="2400" dirty="0">
-                <a:latin typeface="Century Schoolbook" pitchFamily="18" charset="0"/>
-                <a:ea typeface="Century Schoolbook" pitchFamily="18" charset="0"/>
-                <a:cs typeface="Century Schoolbook" pitchFamily="18" charset="0"/>
-                <a:sym typeface="Century Schoolbook" pitchFamily="18" charset="0"/>
-              </a:rPr>
-              <a:t> </a:t>
-            </a:r>
-            <a:r>
-              <a:rPr lang="ru-RU" altLang="ru-RU" sz="2400" dirty="0" err="1">
-                <a:latin typeface="Century Schoolbook" pitchFamily="18" charset="0"/>
+                <a:ea typeface="Century Schoolbook" pitchFamily="18" charset="0"/>
+                <a:cs typeface="Century Schoolbook" pitchFamily="18" charset="0"/>
+                <a:sym typeface="Century Schoolbook" pitchFamily="18" charset="0"/>
+              </a:rPr>
+              <a:t> </a:t>
+            </a:r>
+            <a:r>
+              <a:rPr lang="ru-RU" altLang="ru-RU" sz="2400" dirty="0" err="1">
                 <a:ea typeface="Century Schoolbook" pitchFamily="18" charset="0"/>
                 <a:cs typeface="Century Schoolbook" pitchFamily="18" charset="0"/>
                 <a:sym typeface="Century Schoolbook" pitchFamily="18" charset="0"/>
@@ -18445,16 +18408,14 @@
             </a:r>
             <a:r>
               <a:rPr lang="ru-RU" altLang="ru-RU" sz="2400" dirty="0">
-                <a:latin typeface="Century Schoolbook" pitchFamily="18" charset="0"/>
-                <a:ea typeface="Century Schoolbook" pitchFamily="18" charset="0"/>
-                <a:cs typeface="Century Schoolbook" pitchFamily="18" charset="0"/>
-                <a:sym typeface="Century Schoolbook" pitchFamily="18" charset="0"/>
-              </a:rPr>
-              <a:t> </a:t>
-            </a:r>
-            <a:r>
-              <a:rPr lang="ru-RU" altLang="ru-RU" sz="2400" dirty="0" err="1">
-                <a:latin typeface="Century Schoolbook" pitchFamily="18" charset="0"/>
+                <a:ea typeface="Century Schoolbook" pitchFamily="18" charset="0"/>
+                <a:cs typeface="Century Schoolbook" pitchFamily="18" charset="0"/>
+                <a:sym typeface="Century Schoolbook" pitchFamily="18" charset="0"/>
+              </a:rPr>
+              <a:t> </a:t>
+            </a:r>
+            <a:r>
+              <a:rPr lang="ru-RU" altLang="ru-RU" sz="2400" dirty="0" err="1">
                 <a:ea typeface="Century Schoolbook" pitchFamily="18" charset="0"/>
                 <a:cs typeface="Century Schoolbook" pitchFamily="18" charset="0"/>
                 <a:sym typeface="Century Schoolbook" pitchFamily="18" charset="0"/>
@@ -18463,7 +18424,6 @@
             </a:r>
             <a:r>
               <a:rPr lang="ru-RU" altLang="ru-RU" sz="2400" dirty="0">
-                <a:latin typeface="Century Schoolbook" pitchFamily="18" charset="0"/>
                 <a:ea typeface="Century Schoolbook" pitchFamily="18" charset="0"/>
                 <a:cs typeface="Century Schoolbook" pitchFamily="18" charset="0"/>
                 <a:sym typeface="Century Schoolbook" pitchFamily="18" charset="0"/>
@@ -18472,7 +18432,6 @@
             </a:r>
             <a:r>
               <a:rPr lang="ru-RU" altLang="ru-RU" sz="2400" dirty="0" err="1">
-                <a:latin typeface="Century Schoolbook" pitchFamily="18" charset="0"/>
                 <a:ea typeface="Century Schoolbook" pitchFamily="18" charset="0"/>
                 <a:cs typeface="Century Schoolbook" pitchFamily="18" charset="0"/>
                 <a:sym typeface="Century Schoolbook" pitchFamily="18" charset="0"/>
@@ -18481,7 +18440,6 @@
             </a:r>
             <a:r>
               <a:rPr lang="ru-RU" altLang="ru-RU" sz="2400" dirty="0">
-                <a:latin typeface="Century Schoolbook" pitchFamily="18" charset="0"/>
                 <a:ea typeface="Century Schoolbook" pitchFamily="18" charset="0"/>
                 <a:cs typeface="Century Schoolbook" pitchFamily="18" charset="0"/>
                 <a:sym typeface="Century Schoolbook" pitchFamily="18" charset="0"/>
@@ -18490,7 +18448,6 @@
             </a:r>
             <a:r>
               <a:rPr lang="ru-RU" altLang="ru-RU" sz="2400" dirty="0" err="1">
-                <a:latin typeface="Century Schoolbook" pitchFamily="18" charset="0"/>
                 <a:ea typeface="Century Schoolbook" pitchFamily="18" charset="0"/>
                 <a:cs typeface="Century Schoolbook" pitchFamily="18" charset="0"/>
                 <a:sym typeface="Century Schoolbook" pitchFamily="18" charset="0"/>
@@ -18499,16 +18456,14 @@
             </a:r>
             <a:r>
               <a:rPr lang="ru-RU" altLang="ru-RU" sz="2400" dirty="0">
-                <a:latin typeface="Century Schoolbook" pitchFamily="18" charset="0"/>
-                <a:ea typeface="Century Schoolbook" pitchFamily="18" charset="0"/>
-                <a:cs typeface="Century Schoolbook" pitchFamily="18" charset="0"/>
-                <a:sym typeface="Century Schoolbook" pitchFamily="18" charset="0"/>
-              </a:rPr>
-              <a:t> </a:t>
-            </a:r>
-            <a:r>
-              <a:rPr lang="ru-RU" altLang="ru-RU" sz="2400" dirty="0" err="1">
-                <a:latin typeface="Century Schoolbook" pitchFamily="18" charset="0"/>
+                <a:ea typeface="Century Schoolbook" pitchFamily="18" charset="0"/>
+                <a:cs typeface="Century Schoolbook" pitchFamily="18" charset="0"/>
+                <a:sym typeface="Century Schoolbook" pitchFamily="18" charset="0"/>
+              </a:rPr>
+              <a:t> </a:t>
+            </a:r>
+            <a:r>
+              <a:rPr lang="ru-RU" altLang="ru-RU" sz="2400" dirty="0" err="1">
                 <a:ea typeface="Century Schoolbook" pitchFamily="18" charset="0"/>
                 <a:cs typeface="Century Schoolbook" pitchFamily="18" charset="0"/>
                 <a:sym typeface="Century Schoolbook" pitchFamily="18" charset="0"/>
@@ -18517,16 +18472,14 @@
             </a:r>
             <a:r>
               <a:rPr lang="ru-RU" altLang="ru-RU" sz="2400" dirty="0">
-                <a:latin typeface="Century Schoolbook" pitchFamily="18" charset="0"/>
-                <a:ea typeface="Century Schoolbook" pitchFamily="18" charset="0"/>
-                <a:cs typeface="Century Schoolbook" pitchFamily="18" charset="0"/>
-                <a:sym typeface="Century Schoolbook" pitchFamily="18" charset="0"/>
-              </a:rPr>
-              <a:t> </a:t>
-            </a:r>
-            <a:r>
-              <a:rPr lang="ru-RU" altLang="ru-RU" sz="2400" dirty="0" err="1">
-                <a:latin typeface="Century Schoolbook" pitchFamily="18" charset="0"/>
+                <a:ea typeface="Century Schoolbook" pitchFamily="18" charset="0"/>
+                <a:cs typeface="Century Schoolbook" pitchFamily="18" charset="0"/>
+                <a:sym typeface="Century Schoolbook" pitchFamily="18" charset="0"/>
+              </a:rPr>
+              <a:t> </a:t>
+            </a:r>
+            <a:r>
+              <a:rPr lang="ru-RU" altLang="ru-RU" sz="2400" dirty="0" err="1">
                 <a:ea typeface="Century Schoolbook" pitchFamily="18" charset="0"/>
                 <a:cs typeface="Century Schoolbook" pitchFamily="18" charset="0"/>
                 <a:sym typeface="Century Schoolbook" pitchFamily="18" charset="0"/>
@@ -18535,16 +18488,14 @@
             </a:r>
             <a:r>
               <a:rPr lang="ru-RU" altLang="ru-RU" sz="2400" dirty="0">
-                <a:latin typeface="Century Schoolbook" pitchFamily="18" charset="0"/>
-                <a:ea typeface="Century Schoolbook" pitchFamily="18" charset="0"/>
-                <a:cs typeface="Century Schoolbook" pitchFamily="18" charset="0"/>
-                <a:sym typeface="Century Schoolbook" pitchFamily="18" charset="0"/>
-              </a:rPr>
-              <a:t> </a:t>
-            </a:r>
-            <a:r>
-              <a:rPr lang="ru-RU" altLang="ru-RU" sz="2400" dirty="0" err="1">
-                <a:latin typeface="Century Schoolbook" pitchFamily="18" charset="0"/>
+                <a:ea typeface="Century Schoolbook" pitchFamily="18" charset="0"/>
+                <a:cs typeface="Century Schoolbook" pitchFamily="18" charset="0"/>
+                <a:sym typeface="Century Schoolbook" pitchFamily="18" charset="0"/>
+              </a:rPr>
+              <a:t> </a:t>
+            </a:r>
+            <a:r>
+              <a:rPr lang="ru-RU" altLang="ru-RU" sz="2400" dirty="0" err="1">
                 <a:ea typeface="Century Schoolbook" pitchFamily="18" charset="0"/>
                 <a:cs typeface="Century Schoolbook" pitchFamily="18" charset="0"/>
                 <a:sym typeface="Century Schoolbook" pitchFamily="18" charset="0"/>
@@ -18553,7 +18504,6 @@
             </a:r>
             <a:r>
               <a:rPr lang="ru-RU" altLang="ru-RU" sz="2400" dirty="0">
-                <a:latin typeface="Century Schoolbook" pitchFamily="18" charset="0"/>
                 <a:ea typeface="Century Schoolbook" pitchFamily="18" charset="0"/>
                 <a:cs typeface="Century Schoolbook" pitchFamily="18" charset="0"/>
                 <a:sym typeface="Century Schoolbook" pitchFamily="18" charset="0"/>
@@ -18562,7 +18512,6 @@
             </a:r>
             <a:r>
               <a:rPr lang="ru-RU" altLang="ru-RU" sz="2400" dirty="0" smtClean="0">
-                <a:latin typeface="Century Schoolbook" pitchFamily="18" charset="0"/>
                 <a:ea typeface="Century Schoolbook" pitchFamily="18" charset="0"/>
                 <a:cs typeface="Century Schoolbook" pitchFamily="18" charset="0"/>
                 <a:sym typeface="Century Schoolbook" pitchFamily="18" charset="0"/>
@@ -18571,7 +18520,6 @@
             </a:r>
             <a:r>
               <a:rPr lang="en-US" altLang="ru-RU" sz="2400" dirty="0" smtClean="0">
-                <a:latin typeface="Century Schoolbook" pitchFamily="18" charset="0"/>
                 <a:ea typeface="Century Schoolbook" pitchFamily="18" charset="0"/>
                 <a:cs typeface="Century Schoolbook" pitchFamily="18" charset="0"/>
                 <a:sym typeface="Century Schoolbook" pitchFamily="18" charset="0"/>
@@ -18580,7 +18528,6 @@
             </a:r>
             <a:r>
               <a:rPr lang="ru-RU" altLang="ru-RU" sz="2400" dirty="0" smtClean="0">
-                <a:latin typeface="Century Schoolbook" pitchFamily="18" charset="0"/>
                 <a:ea typeface="Century Schoolbook" pitchFamily="18" charset="0"/>
                 <a:cs typeface="Century Schoolbook" pitchFamily="18" charset="0"/>
                 <a:sym typeface="Century Schoolbook" pitchFamily="18" charset="0"/>
@@ -18589,7 +18536,6 @@
             </a:r>
             <a:r>
               <a:rPr lang="ru-RU" altLang="ru-RU" sz="2400" dirty="0">
-                <a:latin typeface="Century Schoolbook" pitchFamily="18" charset="0"/>
                 <a:ea typeface="Century Schoolbook" pitchFamily="18" charset="0"/>
                 <a:cs typeface="Century Schoolbook" pitchFamily="18" charset="0"/>
                 <a:sym typeface="Century Schoolbook" pitchFamily="18" charset="0"/>
@@ -19108,7 +19054,34 @@
                 <a:cs typeface="Century Schoolbook" pitchFamily="18" charset="0"/>
                 <a:sym typeface="Century Schoolbook" pitchFamily="18" charset="0"/>
               </a:rPr>
-              <a:t>[x]] ← NIL </a:t>
+              <a:t>[x]] ← </a:t>
+            </a:r>
+            <a:r>
+              <a:rPr lang="ru-RU" altLang="ru-RU" sz="2400" dirty="0" smtClean="0">
+                <a:latin typeface="Century Schoolbook" pitchFamily="18" charset="0"/>
+                <a:ea typeface="Century Schoolbook" pitchFamily="18" charset="0"/>
+                <a:cs typeface="Century Schoolbook" pitchFamily="18" charset="0"/>
+                <a:sym typeface="Century Schoolbook" pitchFamily="18" charset="0"/>
+              </a:rPr>
+              <a:t>N</a:t>
+            </a:r>
+            <a:r>
+              <a:rPr lang="en-US" altLang="ru-RU" sz="2400" dirty="0" smtClean="0">
+                <a:latin typeface="Century Schoolbook" pitchFamily="18" charset="0"/>
+                <a:ea typeface="Century Schoolbook" pitchFamily="18" charset="0"/>
+                <a:cs typeface="Century Schoolbook" pitchFamily="18" charset="0"/>
+                <a:sym typeface="Century Schoolbook" pitchFamily="18" charset="0"/>
+              </a:rPr>
+              <a:t>ULL</a:t>
+            </a:r>
+            <a:r>
+              <a:rPr lang="ru-RU" altLang="ru-RU" sz="2400" dirty="0" smtClean="0">
+                <a:latin typeface="Century Schoolbook" pitchFamily="18" charset="0"/>
+                <a:ea typeface="Century Schoolbook" pitchFamily="18" charset="0"/>
+                <a:cs typeface="Century Schoolbook" pitchFamily="18" charset="0"/>
+                <a:sym typeface="Century Schoolbook" pitchFamily="18" charset="0"/>
+              </a:rPr>
+              <a:t> </a:t>
             </a:r>
             <a:endParaRPr lang="ru-RU" altLang="ru-RU" dirty="0"/>
           </a:p>
